--- a/20-proofs/lec.pptx
+++ b/20-proofs/lec.pptx
@@ -5,7 +5,7 @@
     <p:sldMasterId id="2147483648" r:id="rId1"/>
   </p:sldMasterIdLst>
   <p:notesMasterIdLst>
-    <p:notesMasterId r:id="rId42"/>
+    <p:notesMasterId r:id="rId37"/>
   </p:notesMasterIdLst>
   <p:sldIdLst>
     <p:sldId id="441" r:id="rId2"/>
@@ -29,7 +29,7 @@
     <p:sldId id="532" r:id="rId20"/>
     <p:sldId id="533" r:id="rId21"/>
     <p:sldId id="601" r:id="rId22"/>
-    <p:sldId id="602" r:id="rId23"/>
+    <p:sldId id="614" r:id="rId23"/>
     <p:sldId id="534" r:id="rId24"/>
     <p:sldId id="611" r:id="rId25"/>
     <p:sldId id="610" r:id="rId26"/>
@@ -42,12 +42,7 @@
     <p:sldId id="612" r:id="rId33"/>
     <p:sldId id="609" r:id="rId34"/>
     <p:sldId id="613" r:id="rId35"/>
-    <p:sldId id="519" r:id="rId36"/>
-    <p:sldId id="517" r:id="rId37"/>
-    <p:sldId id="503" r:id="rId38"/>
-    <p:sldId id="510" r:id="rId39"/>
-    <p:sldId id="511" r:id="rId40"/>
-    <p:sldId id="495" r:id="rId41"/>
+    <p:sldId id="495" r:id="rId36"/>
   </p:sldIdLst>
   <p:sldSz cx="9144000" cy="6858000" type="screen4x3"/>
   <p:notesSz cx="6858000" cy="9144000"/>
@@ -2085,122 +2080,6 @@
           <a:bodyPr/>
           <a:lstStyle/>
           <a:p>
-            <a:r>
-              <a:rPr lang="en-US" dirty="0"/>
-              <a:t>You give assistant a theorem</a:t>
-            </a:r>
-          </a:p>
-          <a:p>
-            <a:r>
-              <a:rPr lang="en-US" dirty="0"/>
-              <a:t>You and assistant cooperatively find proof</a:t>
-            </a:r>
-          </a:p>
-          <a:p>
-            <a:pPr lvl="1"/>
-            <a:r>
-              <a:rPr lang="en-US" dirty="0"/>
-              <a:t>Human guides the construction</a:t>
-            </a:r>
-          </a:p>
-          <a:p>
-            <a:pPr lvl="1"/>
-            <a:r>
-              <a:rPr lang="en-US" dirty="0"/>
-              <a:t>Machine does the low-level details</a:t>
-            </a:r>
-          </a:p>
-          <a:p>
-            <a:endParaRPr lang="en-US" dirty="0"/>
-          </a:p>
-          <a:p>
-            <a:r>
-              <a:rPr lang="en-US" dirty="0"/>
-              <a:t>goal is proof; timeouts or counterexamples might also happen</a:t>
-            </a:r>
-          </a:p>
-        </p:txBody>
-      </p:sp>
-      <p:sp>
-        <p:nvSpPr>
-          <p:cNvPr id="4" name="Slide Number Placeholder 3"/>
-          <p:cNvSpPr>
-            <a:spLocks noGrp="1"/>
-          </p:cNvSpPr>
-          <p:nvPr>
-            <p:ph type="sldNum" sz="quarter" idx="5"/>
-          </p:nvPr>
-        </p:nvSpPr>
-        <p:spPr/>
-        <p:txBody>
-          <a:bodyPr/>
-          <a:lstStyle/>
-          <a:p>
-            <a:fld id="{B7975FD5-AB21-4C45-BFE8-1D3F02B463E2}" type="slidenum">
-              <a:rPr lang="en-US" smtClean="0"/>
-              <a:t>36</a:t>
-            </a:fld>
-            <a:endParaRPr lang="en-US"/>
-          </a:p>
-        </p:txBody>
-      </p:sp>
-    </p:spTree>
-    <p:extLst>
-      <p:ext uri="{BB962C8B-B14F-4D97-AF65-F5344CB8AC3E}">
-        <p14:creationId xmlns:p14="http://schemas.microsoft.com/office/powerpoint/2010/main" val="2324212944"/>
-      </p:ext>
-    </p:extLst>
-  </p:cSld>
-  <p:clrMapOvr>
-    <a:masterClrMapping/>
-  </p:clrMapOvr>
-</p:notes>
-</file>
-
-<file path=ppt/notesSlides/notesSlide25.xml><?xml version="1.0" encoding="utf-8"?>
-<p:notes xmlns:a="http://schemas.openxmlformats.org/drawingml/2006/main" xmlns:r="http://schemas.openxmlformats.org/officeDocument/2006/relationships" xmlns:p="http://schemas.openxmlformats.org/presentationml/2006/main">
-  <p:cSld>
-    <p:spTree>
-      <p:nvGrpSpPr>
-        <p:cNvPr id="1" name=""/>
-        <p:cNvGrpSpPr/>
-        <p:nvPr/>
-      </p:nvGrpSpPr>
-      <p:grpSpPr>
-        <a:xfrm>
-          <a:off x="0" y="0"/>
-          <a:ext cx="0" cy="0"/>
-          <a:chOff x="0" y="0"/>
-          <a:chExt cx="0" cy="0"/>
-        </a:xfrm>
-      </p:grpSpPr>
-      <p:sp>
-        <p:nvSpPr>
-          <p:cNvPr id="2" name="Slide Image Placeholder 1"/>
-          <p:cNvSpPr>
-            <a:spLocks noGrp="1" noRot="1" noChangeAspect="1"/>
-          </p:cNvSpPr>
-          <p:nvPr>
-            <p:ph type="sldImg"/>
-          </p:nvPr>
-        </p:nvSpPr>
-        <p:spPr/>
-      </p:sp>
-      <p:sp>
-        <p:nvSpPr>
-          <p:cNvPr id="3" name="Notes Placeholder 2"/>
-          <p:cNvSpPr>
-            <a:spLocks noGrp="1"/>
-          </p:cNvSpPr>
-          <p:nvPr>
-            <p:ph type="body" idx="1"/>
-          </p:nvPr>
-        </p:nvSpPr>
-        <p:spPr/>
-        <p:txBody>
-          <a:bodyPr/>
-          <a:lstStyle/>
-          <a:p>
             <a:endParaRPr lang="en-US" dirty="0"/>
           </a:p>
         </p:txBody>
@@ -2222,262 +2101,7 @@
           <a:p>
             <a:fld id="{B7975FD5-AB21-4C45-BFE8-1D3F02B463E2}" type="slidenum">
               <a:rPr lang="en-US" smtClean="0"/>
-              <a:t>37</a:t>
-            </a:fld>
-            <a:endParaRPr lang="en-US"/>
-          </a:p>
-        </p:txBody>
-      </p:sp>
-    </p:spTree>
-    <p:extLst>
-      <p:ext uri="{BB962C8B-B14F-4D97-AF65-F5344CB8AC3E}">
-        <p14:creationId xmlns:p14="http://schemas.microsoft.com/office/powerpoint/2010/main" val="456709983"/>
-      </p:ext>
-    </p:extLst>
-  </p:cSld>
-  <p:clrMapOvr>
-    <a:masterClrMapping/>
-  </p:clrMapOvr>
-</p:notes>
-</file>
-
-<file path=ppt/notesSlides/notesSlide26.xml><?xml version="1.0" encoding="utf-8"?>
-<p:notes xmlns:a="http://schemas.openxmlformats.org/drawingml/2006/main" xmlns:r="http://schemas.openxmlformats.org/officeDocument/2006/relationships" xmlns:p="http://schemas.openxmlformats.org/presentationml/2006/main">
-  <p:cSld>
-    <p:spTree>
-      <p:nvGrpSpPr>
-        <p:cNvPr id="1" name=""/>
-        <p:cNvGrpSpPr/>
-        <p:nvPr/>
-      </p:nvGrpSpPr>
-      <p:grpSpPr>
-        <a:xfrm>
-          <a:off x="0" y="0"/>
-          <a:ext cx="0" cy="0"/>
-          <a:chOff x="0" y="0"/>
-          <a:chExt cx="0" cy="0"/>
-        </a:xfrm>
-      </p:grpSpPr>
-      <p:sp>
-        <p:nvSpPr>
-          <p:cNvPr id="2" name="Slide Image Placeholder 1"/>
-          <p:cNvSpPr>
-            <a:spLocks noGrp="1" noRot="1" noChangeAspect="1"/>
-          </p:cNvSpPr>
-          <p:nvPr>
-            <p:ph type="sldImg"/>
-          </p:nvPr>
-        </p:nvSpPr>
-        <p:spPr/>
-      </p:sp>
-      <p:sp>
-        <p:nvSpPr>
-          <p:cNvPr id="3" name="Notes Placeholder 2"/>
-          <p:cNvSpPr>
-            <a:spLocks noGrp="1"/>
-          </p:cNvSpPr>
-          <p:nvPr>
-            <p:ph type="body" idx="1"/>
-          </p:nvPr>
-        </p:nvSpPr>
-        <p:spPr/>
-        <p:txBody>
-          <a:bodyPr/>
-          <a:lstStyle/>
-          <a:p>
-            <a:endParaRPr lang="en-US" dirty="0"/>
-          </a:p>
-        </p:txBody>
-      </p:sp>
-      <p:sp>
-        <p:nvSpPr>
-          <p:cNvPr id="4" name="Slide Number Placeholder 3"/>
-          <p:cNvSpPr>
-            <a:spLocks noGrp="1"/>
-          </p:cNvSpPr>
-          <p:nvPr>
-            <p:ph type="sldNum" sz="quarter" idx="10"/>
-          </p:nvPr>
-        </p:nvSpPr>
-        <p:spPr/>
-        <p:txBody>
-          <a:bodyPr/>
-          <a:lstStyle/>
-          <a:p>
-            <a:fld id="{B7975FD5-AB21-4C45-BFE8-1D3F02B463E2}" type="slidenum">
-              <a:rPr lang="en-US" smtClean="0"/>
-              <a:t>38</a:t>
-            </a:fld>
-            <a:endParaRPr lang="en-US"/>
-          </a:p>
-        </p:txBody>
-      </p:sp>
-    </p:spTree>
-    <p:extLst>
-      <p:ext uri="{BB962C8B-B14F-4D97-AF65-F5344CB8AC3E}">
-        <p14:creationId xmlns:p14="http://schemas.microsoft.com/office/powerpoint/2010/main" val="2362848817"/>
-      </p:ext>
-    </p:extLst>
-  </p:cSld>
-  <p:clrMapOvr>
-    <a:masterClrMapping/>
-  </p:clrMapOvr>
-</p:notes>
-</file>
-
-<file path=ppt/notesSlides/notesSlide27.xml><?xml version="1.0" encoding="utf-8"?>
-<p:notes xmlns:a="http://schemas.openxmlformats.org/drawingml/2006/main" xmlns:r="http://schemas.openxmlformats.org/officeDocument/2006/relationships" xmlns:p="http://schemas.openxmlformats.org/presentationml/2006/main">
-  <p:cSld>
-    <p:spTree>
-      <p:nvGrpSpPr>
-        <p:cNvPr id="1" name=""/>
-        <p:cNvGrpSpPr/>
-        <p:nvPr/>
-      </p:nvGrpSpPr>
-      <p:grpSpPr>
-        <a:xfrm>
-          <a:off x="0" y="0"/>
-          <a:ext cx="0" cy="0"/>
-          <a:chOff x="0" y="0"/>
-          <a:chExt cx="0" cy="0"/>
-        </a:xfrm>
-      </p:grpSpPr>
-      <p:sp>
-        <p:nvSpPr>
-          <p:cNvPr id="2" name="Slide Image Placeholder 1"/>
-          <p:cNvSpPr>
-            <a:spLocks noGrp="1" noRot="1" noChangeAspect="1"/>
-          </p:cNvSpPr>
-          <p:nvPr>
-            <p:ph type="sldImg"/>
-          </p:nvPr>
-        </p:nvSpPr>
-        <p:spPr/>
-      </p:sp>
-      <p:sp>
-        <p:nvSpPr>
-          <p:cNvPr id="3" name="Notes Placeholder 2"/>
-          <p:cNvSpPr>
-            <a:spLocks noGrp="1"/>
-          </p:cNvSpPr>
-          <p:nvPr>
-            <p:ph type="body" idx="1"/>
-          </p:nvPr>
-        </p:nvSpPr>
-        <p:spPr/>
-        <p:txBody>
-          <a:bodyPr/>
-          <a:lstStyle/>
-          <a:p>
-            <a:r>
-              <a:rPr lang="en-US" dirty="0"/>
-              <a:t>But, also button mashing.</a:t>
-            </a:r>
-          </a:p>
-        </p:txBody>
-      </p:sp>
-      <p:sp>
-        <p:nvSpPr>
-          <p:cNvPr id="4" name="Slide Number Placeholder 3"/>
-          <p:cNvSpPr>
-            <a:spLocks noGrp="1"/>
-          </p:cNvSpPr>
-          <p:nvPr>
-            <p:ph type="sldNum" sz="quarter" idx="5"/>
-          </p:nvPr>
-        </p:nvSpPr>
-        <p:spPr/>
-        <p:txBody>
-          <a:bodyPr/>
-          <a:lstStyle/>
-          <a:p>
-            <a:fld id="{B7975FD5-AB21-4C45-BFE8-1D3F02B463E2}" type="slidenum">
-              <a:rPr lang="en-US" smtClean="0"/>
-              <a:t>39</a:t>
-            </a:fld>
-            <a:endParaRPr lang="en-US"/>
-          </a:p>
-        </p:txBody>
-      </p:sp>
-    </p:spTree>
-    <p:extLst>
-      <p:ext uri="{BB962C8B-B14F-4D97-AF65-F5344CB8AC3E}">
-        <p14:creationId xmlns:p14="http://schemas.microsoft.com/office/powerpoint/2010/main" val="2187199490"/>
-      </p:ext>
-    </p:extLst>
-  </p:cSld>
-  <p:clrMapOvr>
-    <a:masterClrMapping/>
-  </p:clrMapOvr>
-</p:notes>
-</file>
-
-<file path=ppt/notesSlides/notesSlide28.xml><?xml version="1.0" encoding="utf-8"?>
-<p:notes xmlns:a="http://schemas.openxmlformats.org/drawingml/2006/main" xmlns:r="http://schemas.openxmlformats.org/officeDocument/2006/relationships" xmlns:p="http://schemas.openxmlformats.org/presentationml/2006/main">
-  <p:cSld>
-    <p:spTree>
-      <p:nvGrpSpPr>
-        <p:cNvPr id="1" name=""/>
-        <p:cNvGrpSpPr/>
-        <p:nvPr/>
-      </p:nvGrpSpPr>
-      <p:grpSpPr>
-        <a:xfrm>
-          <a:off x="0" y="0"/>
-          <a:ext cx="0" cy="0"/>
-          <a:chOff x="0" y="0"/>
-          <a:chExt cx="0" cy="0"/>
-        </a:xfrm>
-      </p:grpSpPr>
-      <p:sp>
-        <p:nvSpPr>
-          <p:cNvPr id="2" name="Slide Image Placeholder 1"/>
-          <p:cNvSpPr>
-            <a:spLocks noGrp="1" noRot="1" noChangeAspect="1"/>
-          </p:cNvSpPr>
-          <p:nvPr>
-            <p:ph type="sldImg"/>
-          </p:nvPr>
-        </p:nvSpPr>
-        <p:spPr/>
-      </p:sp>
-      <p:sp>
-        <p:nvSpPr>
-          <p:cNvPr id="3" name="Notes Placeholder 2"/>
-          <p:cNvSpPr>
-            <a:spLocks noGrp="1"/>
-          </p:cNvSpPr>
-          <p:nvPr>
-            <p:ph type="body" idx="1"/>
-          </p:nvPr>
-        </p:nvSpPr>
-        <p:spPr/>
-        <p:txBody>
-          <a:bodyPr/>
-          <a:lstStyle/>
-          <a:p>
-            <a:endParaRPr lang="en-US" dirty="0"/>
-          </a:p>
-        </p:txBody>
-      </p:sp>
-      <p:sp>
-        <p:nvSpPr>
-          <p:cNvPr id="4" name="Slide Number Placeholder 3"/>
-          <p:cNvSpPr>
-            <a:spLocks noGrp="1"/>
-          </p:cNvSpPr>
-          <p:nvPr>
-            <p:ph type="sldNum" sz="quarter" idx="10"/>
-          </p:nvPr>
-        </p:nvSpPr>
-        <p:spPr/>
-        <p:txBody>
-          <a:bodyPr/>
-          <a:lstStyle/>
-          <a:p>
-            <a:fld id="{B7975FD5-AB21-4C45-BFE8-1D3F02B463E2}" type="slidenum">
-              <a:rPr lang="en-US" smtClean="0"/>
-              <a:t>40</a:t>
+              <a:t>35</a:t>
             </a:fld>
             <a:endParaRPr lang="en-US"/>
           </a:p>
@@ -12089,7 +11713,7 @@
           <a:p>
             <a:r>
               <a:rPr lang="en-US" dirty="0"/>
-              <a:t>Induction principle</a:t>
+              <a:t>Induction principle on naturals</a:t>
             </a:r>
           </a:p>
         </p:txBody>
@@ -12126,7 +11750,7 @@
                 <a:latin typeface="Cronos Pro" panose="020C0502030403020304" pitchFamily="34" charset="77"/>
                 <a:cs typeface="Courier"/>
               </a:rPr>
-              <a:t> properties P of natural numbers,  </a:t>
+              <a:t> properties P,  </a:t>
             </a:r>
           </a:p>
           <a:p>
@@ -12138,7 +11762,7 @@
                 <a:latin typeface="Cronos Pro" panose="020C0502030403020304" pitchFamily="34" charset="77"/>
                 <a:cs typeface="Courier"/>
               </a:rPr>
-              <a:t>  if P 0 </a:t>
+              <a:t>  if P(0) </a:t>
             </a:r>
           </a:p>
           <a:p>
@@ -12164,7 +11788,7 @@
                 <a:latin typeface="Cronos Pro" panose="020C0502030403020304" pitchFamily="34" charset="77"/>
                 <a:cs typeface="Courier"/>
               </a:rPr>
-              <a:t> n, P n implies P (n+1))</a:t>
+              <a:t> n, P(n) implies P(n+1))</a:t>
             </a:r>
           </a:p>
           <a:p>
@@ -12190,7 +11814,7 @@
                 <a:latin typeface="Cronos Pro" panose="020C0502030403020304" pitchFamily="34" charset="77"/>
                 <a:cs typeface="Courier"/>
               </a:rPr>
-              <a:t> n, P n)</a:t>
+              <a:t> n, P(n))</a:t>
             </a:r>
           </a:p>
           <a:p>
@@ -12237,7 +11861,7 @@
     </p:spTree>
     <p:extLst>
       <p:ext uri="{BB962C8B-B14F-4D97-AF65-F5344CB8AC3E}">
-        <p14:creationId xmlns:p14="http://schemas.microsoft.com/office/powerpoint/2010/main" val="3532686067"/>
+        <p14:creationId xmlns:p14="http://schemas.microsoft.com/office/powerpoint/2010/main" val="1166702975"/>
       </p:ext>
     </p:extLst>
   </p:cSld>
@@ -21550,523 +21174,6 @@
       </p:grpSpPr>
       <p:sp>
         <p:nvSpPr>
-          <p:cNvPr id="4" name="Title 3">
-            <a:extLst>
-              <a:ext uri="{FF2B5EF4-FFF2-40B4-BE49-F238E27FC236}">
-                <a16:creationId xmlns:a16="http://schemas.microsoft.com/office/drawing/2014/main" id="{E50CBCC0-A05E-AD4F-A58D-8D9B2128E5F3}"/>
-              </a:ext>
-            </a:extLst>
-          </p:cNvPr>
-          <p:cNvSpPr>
-            <a:spLocks noGrp="1"/>
-          </p:cNvSpPr>
-          <p:nvPr>
-            <p:ph type="title"/>
-          </p:nvPr>
-        </p:nvSpPr>
-        <p:spPr/>
-        <p:txBody>
-          <a:bodyPr/>
-          <a:lstStyle/>
-          <a:p>
-            <a:r>
-              <a:rPr lang="en-US" dirty="0"/>
-              <a:t>CS 4160: Formal Verification</a:t>
-            </a:r>
-          </a:p>
-        </p:txBody>
-      </p:sp>
-      <p:sp>
-        <p:nvSpPr>
-          <p:cNvPr id="5" name="Text Placeholder 4">
-            <a:extLst>
-              <a:ext uri="{FF2B5EF4-FFF2-40B4-BE49-F238E27FC236}">
-                <a16:creationId xmlns:a16="http://schemas.microsoft.com/office/drawing/2014/main" id="{6545B4A8-531A-4B4C-A991-D731B536A5E1}"/>
-              </a:ext>
-            </a:extLst>
-          </p:cNvPr>
-          <p:cNvSpPr>
-            <a:spLocks noGrp="1"/>
-          </p:cNvSpPr>
-          <p:nvPr>
-            <p:ph type="body" idx="1"/>
-          </p:nvPr>
-        </p:nvSpPr>
-        <p:spPr/>
-        <p:txBody>
-          <a:bodyPr/>
-          <a:lstStyle/>
-          <a:p>
-            <a:r>
-              <a:rPr lang="en-US" dirty="0"/>
-              <a:t>Sponsored Advertisement</a:t>
-            </a:r>
-          </a:p>
-        </p:txBody>
-      </p:sp>
-    </p:spTree>
-    <p:extLst>
-      <p:ext uri="{BB962C8B-B14F-4D97-AF65-F5344CB8AC3E}">
-        <p14:creationId xmlns:p14="http://schemas.microsoft.com/office/powerpoint/2010/main" val="2391530677"/>
-      </p:ext>
-    </p:extLst>
-  </p:cSld>
-  <p:clrMapOvr>
-    <a:masterClrMapping/>
-  </p:clrMapOvr>
-</p:sld>
-</file>
-
-<file path=ppt/slides/slide36.xml><?xml version="1.0" encoding="utf-8"?>
-<p:sld xmlns:a="http://schemas.openxmlformats.org/drawingml/2006/main" xmlns:r="http://schemas.openxmlformats.org/officeDocument/2006/relationships" xmlns:p="http://schemas.openxmlformats.org/presentationml/2006/main">
-  <p:cSld>
-    <p:spTree>
-      <p:nvGrpSpPr>
-        <p:cNvPr id="1" name=""/>
-        <p:cNvGrpSpPr/>
-        <p:nvPr/>
-      </p:nvGrpSpPr>
-      <p:grpSpPr>
-        <a:xfrm>
-          <a:off x="0" y="0"/>
-          <a:ext cx="0" cy="0"/>
-          <a:chOff x="0" y="0"/>
-          <a:chExt cx="0" cy="0"/>
-        </a:xfrm>
-      </p:grpSpPr>
-      <p:sp>
-        <p:nvSpPr>
-          <p:cNvPr id="2" name="Title 1">
-            <a:extLst>
-              <a:ext uri="{FF2B5EF4-FFF2-40B4-BE49-F238E27FC236}">
-                <a16:creationId xmlns:a16="http://schemas.microsoft.com/office/drawing/2014/main" id="{06F65F90-7B82-8140-B6A3-A1FC06232393}"/>
-              </a:ext>
-            </a:extLst>
-          </p:cNvPr>
-          <p:cNvSpPr>
-            <a:spLocks noGrp="1"/>
-          </p:cNvSpPr>
-          <p:nvPr>
-            <p:ph type="title"/>
-          </p:nvPr>
-        </p:nvSpPr>
-        <p:spPr/>
-        <p:txBody>
-          <a:bodyPr/>
-          <a:lstStyle/>
-          <a:p>
-            <a:r>
-              <a:rPr lang="en-US" dirty="0"/>
-              <a:t>Proof assistant</a:t>
-            </a:r>
-          </a:p>
-        </p:txBody>
-      </p:sp>
-      <p:sp>
-        <p:nvSpPr>
-          <p:cNvPr id="5" name="Rectangle 4">
-            <a:extLst>
-              <a:ext uri="{FF2B5EF4-FFF2-40B4-BE49-F238E27FC236}">
-                <a16:creationId xmlns:a16="http://schemas.microsoft.com/office/drawing/2014/main" id="{E86C1BC2-3602-4949-A955-01C94398613D}"/>
-              </a:ext>
-            </a:extLst>
-          </p:cNvPr>
-          <p:cNvSpPr/>
-          <p:nvPr/>
-        </p:nvSpPr>
-        <p:spPr>
-          <a:xfrm>
-            <a:off x="702509" y="2540904"/>
-            <a:ext cx="1658320" cy="1177872"/>
-          </a:xfrm>
-          <a:prstGeom prst="rect">
-            <a:avLst/>
-          </a:prstGeom>
-          <a:solidFill>
-            <a:schemeClr val="tx2">
-              <a:lumMod val="40000"/>
-              <a:lumOff val="60000"/>
-            </a:schemeClr>
-          </a:solidFill>
-          <a:ln>
-            <a:noFill/>
-          </a:ln>
-          <a:effectLst/>
-        </p:spPr>
-        <p:style>
-          <a:lnRef idx="1">
-            <a:schemeClr val="accent1"/>
-          </a:lnRef>
-          <a:fillRef idx="3">
-            <a:schemeClr val="accent1"/>
-          </a:fillRef>
-          <a:effectRef idx="2">
-            <a:schemeClr val="accent1"/>
-          </a:effectRef>
-          <a:fontRef idx="minor">
-            <a:schemeClr val="lt1"/>
-          </a:fontRef>
-        </p:style>
-        <p:txBody>
-          <a:bodyPr rtlCol="0" anchor="ctr"/>
-          <a:lstStyle/>
-          <a:p>
-            <a:pPr algn="ctr"/>
-            <a:r>
-              <a:rPr lang="en-US" sz="2400" dirty="0">
-                <a:latin typeface="CronosPro-Regular"/>
-                <a:cs typeface="CronosPro-Regular"/>
-              </a:rPr>
-              <a:t>theorem</a:t>
-            </a:r>
-          </a:p>
-        </p:txBody>
-      </p:sp>
-      <p:cxnSp>
-        <p:nvCxnSpPr>
-          <p:cNvPr id="9" name="Straight Arrow Connector 8">
-            <a:extLst>
-              <a:ext uri="{FF2B5EF4-FFF2-40B4-BE49-F238E27FC236}">
-                <a16:creationId xmlns:a16="http://schemas.microsoft.com/office/drawing/2014/main" id="{65044192-351C-1B41-899E-AC0625A2057A}"/>
-              </a:ext>
-            </a:extLst>
-          </p:cNvPr>
-          <p:cNvCxnSpPr>
-            <a:cxnSpLocks/>
-            <a:endCxn id="14" idx="1"/>
-          </p:cNvCxnSpPr>
-          <p:nvPr/>
-        </p:nvCxnSpPr>
-        <p:spPr>
-          <a:xfrm flipV="1">
-            <a:off x="5275675" y="3726232"/>
-            <a:ext cx="1346274" cy="7457"/>
-          </a:xfrm>
-          <a:prstGeom prst="straightConnector1">
-            <a:avLst/>
-          </a:prstGeom>
-          <a:ln>
-            <a:prstDash val="solid"/>
-            <a:headEnd type="none"/>
-            <a:tailEnd type="triangle"/>
-          </a:ln>
-          <a:effectLst/>
-        </p:spPr>
-        <p:style>
-          <a:lnRef idx="2">
-            <a:schemeClr val="accent1"/>
-          </a:lnRef>
-          <a:fillRef idx="0">
-            <a:schemeClr val="accent1"/>
-          </a:fillRef>
-          <a:effectRef idx="1">
-            <a:schemeClr val="accent1"/>
-          </a:effectRef>
-          <a:fontRef idx="minor">
-            <a:schemeClr val="tx1"/>
-          </a:fontRef>
-        </p:style>
-      </p:cxnSp>
-      <p:cxnSp>
-        <p:nvCxnSpPr>
-          <p:cNvPr id="10" name="Straight Arrow Connector 9">
-            <a:extLst>
-              <a:ext uri="{FF2B5EF4-FFF2-40B4-BE49-F238E27FC236}">
-                <a16:creationId xmlns:a16="http://schemas.microsoft.com/office/drawing/2014/main" id="{710CED7A-42D1-5A43-8296-56DCE2CFB323}"/>
-              </a:ext>
-            </a:extLst>
-          </p:cNvPr>
-          <p:cNvCxnSpPr>
-            <a:cxnSpLocks/>
-            <a:stCxn id="5" idx="3"/>
-          </p:cNvCxnSpPr>
-          <p:nvPr/>
-        </p:nvCxnSpPr>
-        <p:spPr>
-          <a:xfrm>
-            <a:off x="2360829" y="3129840"/>
-            <a:ext cx="1199970" cy="603849"/>
-          </a:xfrm>
-          <a:prstGeom prst="straightConnector1">
-            <a:avLst/>
-          </a:prstGeom>
-          <a:ln>
-            <a:prstDash val="solid"/>
-            <a:headEnd type="none"/>
-            <a:tailEnd type="triangle"/>
-          </a:ln>
-          <a:effectLst/>
-        </p:spPr>
-        <p:style>
-          <a:lnRef idx="2">
-            <a:schemeClr val="accent1"/>
-          </a:lnRef>
-          <a:fillRef idx="0">
-            <a:schemeClr val="accent1"/>
-          </a:fillRef>
-          <a:effectRef idx="1">
-            <a:schemeClr val="accent1"/>
-          </a:effectRef>
-          <a:fontRef idx="minor">
-            <a:schemeClr val="tx1"/>
-          </a:fontRef>
-        </p:style>
-      </p:cxnSp>
-      <p:sp>
-        <p:nvSpPr>
-          <p:cNvPr id="14" name="Rectangle 13">
-            <a:extLst>
-              <a:ext uri="{FF2B5EF4-FFF2-40B4-BE49-F238E27FC236}">
-                <a16:creationId xmlns:a16="http://schemas.microsoft.com/office/drawing/2014/main" id="{ECB4257E-6BA3-7346-B62A-2D7FC4AD395A}"/>
-              </a:ext>
-            </a:extLst>
-          </p:cNvPr>
-          <p:cNvSpPr/>
-          <p:nvPr/>
-        </p:nvSpPr>
-        <p:spPr>
-          <a:xfrm>
-            <a:off x="6621949" y="3137296"/>
-            <a:ext cx="1658320" cy="1177872"/>
-          </a:xfrm>
-          <a:prstGeom prst="rect">
-            <a:avLst/>
-          </a:prstGeom>
-          <a:solidFill>
-            <a:schemeClr val="tx2">
-              <a:lumMod val="40000"/>
-              <a:lumOff val="60000"/>
-            </a:schemeClr>
-          </a:solidFill>
-          <a:ln>
-            <a:noFill/>
-          </a:ln>
-          <a:effectLst/>
-        </p:spPr>
-        <p:style>
-          <a:lnRef idx="1">
-            <a:schemeClr val="accent1"/>
-          </a:lnRef>
-          <a:fillRef idx="3">
-            <a:schemeClr val="accent1"/>
-          </a:fillRef>
-          <a:effectRef idx="2">
-            <a:schemeClr val="accent1"/>
-          </a:effectRef>
-          <a:fontRef idx="minor">
-            <a:schemeClr val="lt1"/>
-          </a:fontRef>
-        </p:style>
-        <p:txBody>
-          <a:bodyPr rtlCol="0" anchor="ctr"/>
-          <a:lstStyle/>
-          <a:p>
-            <a:pPr algn="ctr"/>
-            <a:r>
-              <a:rPr lang="en-US" sz="2400" dirty="0">
-                <a:latin typeface="CronosPro-Regular"/>
-                <a:cs typeface="CronosPro-Regular"/>
-              </a:rPr>
-              <a:t>proof</a:t>
-            </a:r>
-          </a:p>
-        </p:txBody>
-      </p:sp>
-      <p:sp>
-        <p:nvSpPr>
-          <p:cNvPr id="18" name="Rectangle 17">
-            <a:extLst>
-              <a:ext uri="{FF2B5EF4-FFF2-40B4-BE49-F238E27FC236}">
-                <a16:creationId xmlns:a16="http://schemas.microsoft.com/office/drawing/2014/main" id="{A5136E6C-9C1C-9947-AB12-434C50CAB32D}"/>
-              </a:ext>
-            </a:extLst>
-          </p:cNvPr>
-          <p:cNvSpPr/>
-          <p:nvPr/>
-        </p:nvSpPr>
-        <p:spPr>
-          <a:xfrm>
-            <a:off x="3589077" y="3129840"/>
-            <a:ext cx="1658320" cy="1177872"/>
-          </a:xfrm>
-          <a:prstGeom prst="rect">
-            <a:avLst/>
-          </a:prstGeom>
-          <a:solidFill>
-            <a:schemeClr val="bg2">
-              <a:lumMod val="75000"/>
-            </a:schemeClr>
-          </a:solidFill>
-          <a:ln>
-            <a:noFill/>
-          </a:ln>
-          <a:effectLst/>
-        </p:spPr>
-        <p:style>
-          <a:lnRef idx="1">
-            <a:schemeClr val="accent1"/>
-          </a:lnRef>
-          <a:fillRef idx="3">
-            <a:schemeClr val="accent1"/>
-          </a:fillRef>
-          <a:effectRef idx="2">
-            <a:schemeClr val="accent1"/>
-          </a:effectRef>
-          <a:fontRef idx="minor">
-            <a:schemeClr val="lt1"/>
-          </a:fontRef>
-        </p:style>
-        <p:txBody>
-          <a:bodyPr rtlCol="0" anchor="ctr"/>
-          <a:lstStyle/>
-          <a:p>
-            <a:pPr algn="ctr"/>
-            <a:r>
-              <a:rPr lang="en-US" sz="2400" dirty="0">
-                <a:latin typeface="CronosPro-Regular"/>
-                <a:cs typeface="CronosPro-Regular"/>
-              </a:rPr>
-              <a:t>assistant</a:t>
-            </a:r>
-          </a:p>
-        </p:txBody>
-      </p:sp>
-      <p:sp>
-        <p:nvSpPr>
-          <p:cNvPr id="15" name="Rectangle 14">
-            <a:extLst>
-              <a:ext uri="{FF2B5EF4-FFF2-40B4-BE49-F238E27FC236}">
-                <a16:creationId xmlns:a16="http://schemas.microsoft.com/office/drawing/2014/main" id="{6A033B2F-14A0-BC4F-92BC-2AFB105F074B}"/>
-              </a:ext>
-            </a:extLst>
-          </p:cNvPr>
-          <p:cNvSpPr/>
-          <p:nvPr/>
-        </p:nvSpPr>
-        <p:spPr>
-          <a:xfrm>
-            <a:off x="702509" y="4307712"/>
-            <a:ext cx="1658320" cy="1177872"/>
-          </a:xfrm>
-          <a:prstGeom prst="rect">
-            <a:avLst/>
-          </a:prstGeom>
-          <a:solidFill>
-            <a:schemeClr val="tx2">
-              <a:lumMod val="40000"/>
-              <a:lumOff val="60000"/>
-            </a:schemeClr>
-          </a:solidFill>
-          <a:ln>
-            <a:noFill/>
-          </a:ln>
-          <a:effectLst/>
-        </p:spPr>
-        <p:style>
-          <a:lnRef idx="1">
-            <a:schemeClr val="accent1"/>
-          </a:lnRef>
-          <a:fillRef idx="3">
-            <a:schemeClr val="accent1"/>
-          </a:fillRef>
-          <a:effectRef idx="2">
-            <a:schemeClr val="accent1"/>
-          </a:effectRef>
-          <a:fontRef idx="minor">
-            <a:schemeClr val="lt1"/>
-          </a:fontRef>
-        </p:style>
-        <p:txBody>
-          <a:bodyPr rtlCol="0" anchor="ctr"/>
-          <a:lstStyle/>
-          <a:p>
-            <a:pPr algn="ctr"/>
-            <a:r>
-              <a:rPr lang="en-US" sz="2400" dirty="0">
-                <a:latin typeface="CronosPro-Regular"/>
-                <a:cs typeface="CronosPro-Regular"/>
-              </a:rPr>
-              <a:t>human guidance</a:t>
-            </a:r>
-          </a:p>
-        </p:txBody>
-      </p:sp>
-      <p:cxnSp>
-        <p:nvCxnSpPr>
-          <p:cNvPr id="19" name="Straight Arrow Connector 18">
-            <a:extLst>
-              <a:ext uri="{FF2B5EF4-FFF2-40B4-BE49-F238E27FC236}">
-                <a16:creationId xmlns:a16="http://schemas.microsoft.com/office/drawing/2014/main" id="{B0CF2CCF-843E-814C-B46A-399FD2428B2B}"/>
-              </a:ext>
-            </a:extLst>
-          </p:cNvPr>
-          <p:cNvCxnSpPr>
-            <a:cxnSpLocks/>
-          </p:cNvCxnSpPr>
-          <p:nvPr/>
-        </p:nvCxnSpPr>
-        <p:spPr>
-          <a:xfrm flipV="1">
-            <a:off x="2389107" y="3733689"/>
-            <a:ext cx="1171692" cy="1162959"/>
-          </a:xfrm>
-          <a:prstGeom prst="straightConnector1">
-            <a:avLst/>
-          </a:prstGeom>
-          <a:ln>
-            <a:prstDash val="solid"/>
-            <a:headEnd type="none"/>
-            <a:tailEnd type="triangle"/>
-          </a:ln>
-          <a:effectLst/>
-        </p:spPr>
-        <p:style>
-          <a:lnRef idx="2">
-            <a:schemeClr val="accent1"/>
-          </a:lnRef>
-          <a:fillRef idx="0">
-            <a:schemeClr val="accent1"/>
-          </a:fillRef>
-          <a:effectRef idx="1">
-            <a:schemeClr val="accent1"/>
-          </a:effectRef>
-          <a:fontRef idx="minor">
-            <a:schemeClr val="tx1"/>
-          </a:fontRef>
-        </p:style>
-      </p:cxnSp>
-    </p:spTree>
-    <p:extLst>
-      <p:ext uri="{BB962C8B-B14F-4D97-AF65-F5344CB8AC3E}">
-        <p14:creationId xmlns:p14="http://schemas.microsoft.com/office/powerpoint/2010/main" val="763847455"/>
-      </p:ext>
-    </p:extLst>
-  </p:cSld>
-  <p:clrMapOvr>
-    <a:masterClrMapping/>
-  </p:clrMapOvr>
-</p:sld>
-</file>
-
-<file path=ppt/slides/slide37.xml><?xml version="1.0" encoding="utf-8"?>
-<p:sld xmlns:a="http://schemas.openxmlformats.org/drawingml/2006/main" xmlns:r="http://schemas.openxmlformats.org/officeDocument/2006/relationships" xmlns:p="http://schemas.openxmlformats.org/presentationml/2006/main">
-  <p:cSld>
-    <p:spTree>
-      <p:nvGrpSpPr>
-        <p:cNvPr id="1" name=""/>
-        <p:cNvGrpSpPr/>
-        <p:nvPr/>
-      </p:nvGrpSpPr>
-      <p:grpSpPr>
-        <a:xfrm>
-          <a:off x="0" y="0"/>
-          <a:ext cx="0" cy="0"/>
-          <a:chOff x="0" y="0"/>
-          <a:chExt cx="0" cy="0"/>
-        </a:xfrm>
-      </p:grpSpPr>
-      <p:sp>
-        <p:nvSpPr>
           <p:cNvPr id="2" name="Title 1"/>
           <p:cNvSpPr>
             <a:spLocks noGrp="1"/>
@@ -22082,7 +21189,7 @@
           <a:p>
             <a:r>
               <a:rPr lang="en-US" dirty="0"/>
-              <a:t>Coq</a:t>
+              <a:t>Upcoming events</a:t>
             </a:r>
           </a:p>
         </p:txBody>
@@ -22097,1374 +21204,94 @@
             <p:ph idx="1"/>
           </p:nvPr>
         </p:nvSpPr>
-        <p:spPr/>
+        <p:spPr>
+          <a:xfrm>
+            <a:off x="457200" y="1600200"/>
+            <a:ext cx="8229600" cy="5188928"/>
+          </a:xfrm>
+        </p:spPr>
         <p:txBody>
           <a:bodyPr>
             <a:normAutofit/>
           </a:bodyPr>
           <a:lstStyle/>
           <a:p>
-            <a:r>
-              <a:rPr lang="en-US" b="1" dirty="0"/>
-              <a:t>1984: </a:t>
-            </a:r>
-            <a:r>
-              <a:rPr lang="en-US" dirty="0" err="1">
-                <a:solidFill>
-                  <a:schemeClr val="accent1"/>
-                </a:solidFill>
-              </a:rPr>
-              <a:t>Coquand</a:t>
-            </a:r>
-            <a:r>
-              <a:rPr lang="en-US" dirty="0">
-                <a:solidFill>
-                  <a:schemeClr val="accent1"/>
-                </a:solidFill>
-              </a:rPr>
-              <a:t> </a:t>
-            </a:r>
-            <a:r>
-              <a:rPr lang="en-US" dirty="0"/>
-              <a:t>and </a:t>
-            </a:r>
-            <a:r>
-              <a:rPr lang="en-US" dirty="0" err="1">
-                <a:solidFill>
-                  <a:srgbClr val="4F81BD"/>
-                </a:solidFill>
-              </a:rPr>
-              <a:t>Huet</a:t>
-            </a:r>
-            <a:r>
-              <a:rPr lang="en-US" dirty="0">
-                <a:solidFill>
-                  <a:srgbClr val="4F81BD"/>
-                </a:solidFill>
-              </a:rPr>
-              <a:t> </a:t>
-            </a:r>
-            <a:r>
-              <a:rPr lang="en-US" dirty="0"/>
-              <a:t>implement </a:t>
-            </a:r>
-            <a:r>
-              <a:rPr lang="en-US" dirty="0">
-                <a:solidFill>
-                  <a:srgbClr val="4F81BD"/>
-                </a:solidFill>
-              </a:rPr>
-              <a:t>Coq</a:t>
-            </a:r>
-            <a:r>
-              <a:rPr lang="en-US" dirty="0">
-                <a:solidFill>
-                  <a:srgbClr val="E46C0A"/>
-                </a:solidFill>
-              </a:rPr>
-              <a:t> </a:t>
-            </a:r>
-            <a:r>
-              <a:rPr lang="en-US" dirty="0">
-                <a:solidFill>
-                  <a:srgbClr val="000000"/>
-                </a:solidFill>
-              </a:rPr>
-              <a:t>based on </a:t>
-            </a:r>
-            <a:r>
-              <a:rPr lang="en-US" i="1" dirty="0">
-                <a:solidFill>
-                  <a:srgbClr val="000000"/>
-                </a:solidFill>
-              </a:rPr>
-              <a:t>calculus of inductive constructions</a:t>
-            </a:r>
-          </a:p>
-          <a:p>
-            <a:r>
-              <a:rPr lang="en-US" b="1" dirty="0">
-                <a:solidFill>
-                  <a:srgbClr val="000000"/>
-                </a:solidFill>
-              </a:rPr>
-              <a:t>1992: </a:t>
-            </a:r>
-            <a:r>
-              <a:rPr lang="en-US" dirty="0"/>
-              <a:t>Coq ported to </a:t>
-            </a:r>
-            <a:r>
-              <a:rPr lang="en-US" dirty="0" err="1">
-                <a:solidFill>
-                  <a:srgbClr val="4F81BD"/>
-                </a:solidFill>
-              </a:rPr>
-              <a:t>Caml</a:t>
-            </a:r>
-            <a:r>
-              <a:rPr lang="en-US" dirty="0"/>
-              <a:t> </a:t>
-            </a:r>
-          </a:p>
-          <a:p>
-            <a:r>
-              <a:rPr lang="en-US" dirty="0"/>
-              <a:t>Now implemented in </a:t>
-            </a:r>
-            <a:r>
-              <a:rPr lang="en-US" dirty="0" err="1">
-                <a:solidFill>
-                  <a:schemeClr val="accent1"/>
-                </a:solidFill>
-              </a:rPr>
-              <a:t>OCaml</a:t>
-            </a:r>
-            <a:endParaRPr lang="en-US" dirty="0">
+            <a:pPr marL="342900" lvl="1" indent="-342900">
+              <a:buFont typeface="Arial"/>
+              <a:buChar char="•"/>
+            </a:pPr>
+            <a:r>
+              <a:rPr lang="en-US" sz="3200" dirty="0"/>
+              <a:t>[Wed] A6 due</a:t>
+            </a:r>
+          </a:p>
+          <a:p>
+            <a:pPr marL="0" indent="0">
+              <a:buNone/>
+            </a:pPr>
+            <a:endParaRPr lang="en-US" b="1" dirty="0"/>
+          </a:p>
+          <a:p>
+            <a:pPr marL="0" indent="0">
+              <a:buNone/>
+            </a:pPr>
+            <a:endParaRPr lang="en-US" b="1" dirty="0"/>
+          </a:p>
+          <a:p>
+            <a:pPr marL="0" indent="0">
+              <a:buNone/>
+            </a:pPr>
+            <a:endParaRPr lang="en-US" b="1" dirty="0"/>
+          </a:p>
+          <a:p>
+            <a:pPr marL="0" indent="0">
+              <a:buNone/>
+            </a:pPr>
+            <a:endParaRPr lang="en-US" b="1" dirty="0"/>
+          </a:p>
+          <a:p>
+            <a:pPr marL="0" indent="0" algn="ctr">
+              <a:buNone/>
+            </a:pPr>
+            <a:r>
+              <a:rPr lang="en-US" i="1" dirty="0"/>
+              <a:t>This </a:t>
+            </a:r>
+            <a:r>
+              <a:rPr lang="en-US" i="1"/>
+              <a:t>is rigorous.</a:t>
+            </a:r>
+            <a:endParaRPr lang="en-US" i="1" dirty="0"/>
+          </a:p>
+          <a:p>
+            <a:pPr marL="0" indent="0" algn="ctr">
+              <a:buNone/>
+            </a:pPr>
+            <a:r>
+              <a:rPr lang="en-US" sz="5100" b="1" dirty="0">
+                <a:solidFill>
+                  <a:srgbClr val="B31B1B"/>
+                </a:solidFill>
+                <a:latin typeface="Engravers MT"/>
+                <a:cs typeface="Engravers MT"/>
+                <a:sym typeface="Wingdings"/>
+              </a:rPr>
+              <a:t>THIS IS 3110</a:t>
+            </a:r>
+            <a:endParaRPr lang="en-US" sz="5100" b="1" dirty="0">
               <a:solidFill>
-                <a:schemeClr val="accent1"/>
+                <a:srgbClr val="B31B1B"/>
               </a:solidFill>
+              <a:latin typeface="Engravers MT"/>
+              <a:cs typeface="Engravers MT"/>
             </a:endParaRPr>
           </a:p>
         </p:txBody>
       </p:sp>
-      <p:pic>
-        <p:nvPicPr>
-          <p:cNvPr id="5" name="Picture 4"/>
-          <p:cNvPicPr>
-            <a:picLocks noChangeAspect="1"/>
-          </p:cNvPicPr>
-          <p:nvPr/>
-        </p:nvPicPr>
-        <p:blipFill>
-          <a:blip r:embed="rId3"/>
-          <a:stretch>
-            <a:fillRect/>
-          </a:stretch>
-        </p:blipFill>
-        <p:spPr>
-          <a:xfrm>
-            <a:off x="6913655" y="3860802"/>
-            <a:ext cx="1435100" cy="1879600"/>
-          </a:xfrm>
-          <a:prstGeom prst="rect">
-            <a:avLst/>
-          </a:prstGeom>
-        </p:spPr>
-      </p:pic>
-      <p:sp>
-        <p:nvSpPr>
-          <p:cNvPr id="6" name="TextBox 5"/>
-          <p:cNvSpPr txBox="1"/>
-          <p:nvPr/>
-        </p:nvSpPr>
-        <p:spPr>
-          <a:xfrm>
-            <a:off x="6872830" y="5740402"/>
-            <a:ext cx="1353252" cy="523220"/>
-          </a:xfrm>
-          <a:prstGeom prst="rect">
-            <a:avLst/>
-          </a:prstGeom>
-          <a:noFill/>
-        </p:spPr>
-        <p:txBody>
-          <a:bodyPr wrap="none" rtlCol="0">
-            <a:spAutoFit/>
-          </a:bodyPr>
-          <a:lstStyle/>
-          <a:p>
-            <a:pPr algn="ctr"/>
-            <a:r>
-              <a:rPr lang="en-US" sz="1400" dirty="0">
-                <a:latin typeface="CronosPro-Regular"/>
-                <a:cs typeface="CronosPro-Regular"/>
-              </a:rPr>
-              <a:t>Thierry </a:t>
-            </a:r>
-            <a:r>
-              <a:rPr lang="en-US" sz="1400" dirty="0" err="1">
-                <a:latin typeface="CronosPro-Regular"/>
-                <a:cs typeface="CronosPro-Regular"/>
-              </a:rPr>
-              <a:t>Coquand</a:t>
-            </a:r>
-            <a:endParaRPr lang="en-US" sz="1400" dirty="0">
-              <a:latin typeface="CronosPro-Regular"/>
-              <a:cs typeface="CronosPro-Regular"/>
-            </a:endParaRPr>
-          </a:p>
-          <a:p>
-            <a:pPr algn="ctr"/>
-            <a:r>
-              <a:rPr lang="en-US" sz="1400" dirty="0">
-                <a:latin typeface="CronosPro-Regular"/>
-                <a:cs typeface="CronosPro-Regular"/>
-              </a:rPr>
-              <a:t>1961 – </a:t>
-            </a:r>
-          </a:p>
-        </p:txBody>
-      </p:sp>
-      <p:pic>
-        <p:nvPicPr>
-          <p:cNvPr id="7" name="Picture 6">
-            <a:extLst>
-              <a:ext uri="{FF2B5EF4-FFF2-40B4-BE49-F238E27FC236}">
-                <a16:creationId xmlns:a16="http://schemas.microsoft.com/office/drawing/2014/main" id="{3DB545B1-4136-4147-8B21-091AFC9888C8}"/>
-              </a:ext>
-            </a:extLst>
-          </p:cNvPr>
-          <p:cNvPicPr>
-            <a:picLocks noChangeAspect="1"/>
-          </p:cNvPicPr>
-          <p:nvPr/>
-        </p:nvPicPr>
-        <p:blipFill>
-          <a:blip r:embed="rId4"/>
-          <a:stretch>
-            <a:fillRect/>
-          </a:stretch>
-        </p:blipFill>
-        <p:spPr>
-          <a:xfrm>
-            <a:off x="8077200" y="0"/>
-            <a:ext cx="1066800" cy="1616364"/>
-          </a:xfrm>
-          <a:prstGeom prst="rect">
-            <a:avLst/>
-          </a:prstGeom>
-        </p:spPr>
-      </p:pic>
     </p:spTree>
     <p:extLst>
       <p:ext uri="{BB962C8B-B14F-4D97-AF65-F5344CB8AC3E}">
-        <p14:creationId xmlns:p14="http://schemas.microsoft.com/office/powerpoint/2010/main" val="2053769693"/>
-      </p:ext>
-    </p:extLst>
-  </p:cSld>
-  <p:clrMapOvr>
-    <a:masterClrMapping/>
-  </p:clrMapOvr>
-</p:sld>
-</file>
-
-<file path=ppt/slides/slide38.xml><?xml version="1.0" encoding="utf-8"?>
-<p:sld xmlns:a="http://schemas.openxmlformats.org/drawingml/2006/main" xmlns:r="http://schemas.openxmlformats.org/officeDocument/2006/relationships" xmlns:p="http://schemas.openxmlformats.org/presentationml/2006/main">
-  <p:cSld>
-    <p:spTree>
-      <p:nvGrpSpPr>
-        <p:cNvPr id="1" name=""/>
-        <p:cNvGrpSpPr/>
-        <p:nvPr/>
-      </p:nvGrpSpPr>
-      <p:grpSpPr>
-        <a:xfrm>
-          <a:off x="0" y="0"/>
-          <a:ext cx="0" cy="0"/>
-          <a:chOff x="0" y="0"/>
-          <a:chExt cx="0" cy="0"/>
-        </a:xfrm>
-      </p:grpSpPr>
-      <p:sp>
-        <p:nvSpPr>
-          <p:cNvPr id="2" name="Title 1"/>
-          <p:cNvSpPr>
-            <a:spLocks noGrp="1"/>
-          </p:cNvSpPr>
-          <p:nvPr>
-            <p:ph type="title"/>
-          </p:nvPr>
-        </p:nvSpPr>
-        <p:spPr/>
-        <p:txBody>
-          <a:bodyPr/>
-          <a:lstStyle/>
-          <a:p>
-            <a:r>
-              <a:rPr lang="en-US" dirty="0"/>
-              <a:t>Coq for program verification</a:t>
-            </a:r>
-          </a:p>
-        </p:txBody>
-      </p:sp>
-      <p:pic>
-        <p:nvPicPr>
-          <p:cNvPr id="8" name="Picture 7"/>
-          <p:cNvPicPr>
-            <a:picLocks noChangeAspect="1"/>
-          </p:cNvPicPr>
-          <p:nvPr/>
-        </p:nvPicPr>
-        <p:blipFill>
-          <a:blip r:embed="rId3" cstate="screen">
-            <a:extLst>
-              <a:ext uri="{28A0092B-C50C-407E-A947-70E740481C1C}">
-                <a14:useLocalDpi xmlns:a14="http://schemas.microsoft.com/office/drawing/2010/main"/>
-              </a:ext>
-            </a:extLst>
-          </a:blip>
-          <a:stretch>
-            <a:fillRect/>
-          </a:stretch>
-        </p:blipFill>
-        <p:spPr>
-          <a:xfrm>
-            <a:off x="212886" y="2181144"/>
-            <a:ext cx="2704885" cy="2704885"/>
-          </a:xfrm>
-          <a:prstGeom prst="rect">
-            <a:avLst/>
-          </a:prstGeom>
-        </p:spPr>
-      </p:pic>
-      <p:grpSp>
-        <p:nvGrpSpPr>
-          <p:cNvPr id="39" name="Group 38"/>
-          <p:cNvGrpSpPr/>
-          <p:nvPr/>
-        </p:nvGrpSpPr>
-        <p:grpSpPr>
-          <a:xfrm>
-            <a:off x="2297193" y="1592208"/>
-            <a:ext cx="2861700" cy="1177872"/>
-            <a:chOff x="2297193" y="1592208"/>
-            <a:chExt cx="2861700" cy="1177872"/>
-          </a:xfrm>
-        </p:grpSpPr>
-        <p:sp>
-          <p:nvSpPr>
-            <p:cNvPr id="4" name="Rectangle 3"/>
-            <p:cNvSpPr/>
-            <p:nvPr/>
-          </p:nvSpPr>
-          <p:spPr>
-            <a:xfrm>
-              <a:off x="3500573" y="1592208"/>
-              <a:ext cx="1658320" cy="1177872"/>
-            </a:xfrm>
-            <a:prstGeom prst="rect">
-              <a:avLst/>
-            </a:prstGeom>
-            <a:solidFill>
-              <a:schemeClr val="tx2">
-                <a:lumMod val="40000"/>
-                <a:lumOff val="60000"/>
-              </a:schemeClr>
-            </a:solidFill>
-            <a:ln>
-              <a:noFill/>
-            </a:ln>
-            <a:effectLst/>
-          </p:spPr>
-          <p:style>
-            <a:lnRef idx="1">
-              <a:schemeClr val="accent1"/>
-            </a:lnRef>
-            <a:fillRef idx="3">
-              <a:schemeClr val="accent1"/>
-            </a:fillRef>
-            <a:effectRef idx="2">
-              <a:schemeClr val="accent1"/>
-            </a:effectRef>
-            <a:fontRef idx="minor">
-              <a:schemeClr val="lt1"/>
-            </a:fontRef>
-          </p:style>
-          <p:txBody>
-            <a:bodyPr rtlCol="0" anchor="ctr"/>
-            <a:lstStyle/>
-            <a:p>
-              <a:pPr algn="ctr"/>
-              <a:r>
-                <a:rPr lang="en-US" sz="2400" dirty="0">
-                  <a:latin typeface="CronosPro-Regular"/>
-                  <a:cs typeface="CronosPro-Regular"/>
-                </a:rPr>
-                <a:t>Coq program</a:t>
-              </a:r>
-            </a:p>
-          </p:txBody>
-        </p:sp>
-        <p:cxnSp>
-          <p:nvCxnSpPr>
-            <p:cNvPr id="10" name="Straight Arrow Connector 9"/>
-            <p:cNvCxnSpPr>
-              <a:endCxn id="4" idx="1"/>
-            </p:cNvCxnSpPr>
-            <p:nvPr/>
-          </p:nvCxnSpPr>
-          <p:spPr>
-            <a:xfrm flipV="1">
-              <a:off x="2297193" y="2181144"/>
-              <a:ext cx="1203380" cy="588936"/>
-            </a:xfrm>
-            <a:prstGeom prst="straightConnector1">
-              <a:avLst/>
-            </a:prstGeom>
-            <a:ln>
-              <a:prstDash val="solid"/>
-              <a:headEnd type="none"/>
-              <a:tailEnd type="triangle"/>
-            </a:ln>
-            <a:effectLst/>
-          </p:spPr>
-          <p:style>
-            <a:lnRef idx="2">
-              <a:schemeClr val="accent1"/>
-            </a:lnRef>
-            <a:fillRef idx="0">
-              <a:schemeClr val="accent1"/>
-            </a:fillRef>
-            <a:effectRef idx="1">
-              <a:schemeClr val="accent1"/>
-            </a:effectRef>
-            <a:fontRef idx="minor">
-              <a:schemeClr val="tx1"/>
-            </a:fontRef>
-          </p:style>
-        </p:cxnSp>
-      </p:grpSp>
-      <p:grpSp>
-        <p:nvGrpSpPr>
-          <p:cNvPr id="40" name="Group 39"/>
-          <p:cNvGrpSpPr/>
-          <p:nvPr/>
-        </p:nvGrpSpPr>
-        <p:grpSpPr>
-          <a:xfrm>
-            <a:off x="2472314" y="3719593"/>
-            <a:ext cx="2686579" cy="1394925"/>
-            <a:chOff x="2472314" y="3719593"/>
-            <a:chExt cx="2686579" cy="1394925"/>
-          </a:xfrm>
-        </p:grpSpPr>
-        <p:sp>
-          <p:nvSpPr>
-            <p:cNvPr id="6" name="Rectangle 5"/>
-            <p:cNvSpPr/>
-            <p:nvPr/>
-          </p:nvSpPr>
-          <p:spPr>
-            <a:xfrm>
-              <a:off x="3500573" y="3936646"/>
-              <a:ext cx="1658320" cy="1177872"/>
-            </a:xfrm>
-            <a:prstGeom prst="rect">
-              <a:avLst/>
-            </a:prstGeom>
-            <a:solidFill>
-              <a:schemeClr val="tx2">
-                <a:lumMod val="40000"/>
-                <a:lumOff val="60000"/>
-              </a:schemeClr>
-            </a:solidFill>
-            <a:ln>
-              <a:noFill/>
-            </a:ln>
-            <a:effectLst/>
-          </p:spPr>
-          <p:style>
-            <a:lnRef idx="1">
-              <a:schemeClr val="accent1"/>
-            </a:lnRef>
-            <a:fillRef idx="3">
-              <a:schemeClr val="accent1"/>
-            </a:fillRef>
-            <a:effectRef idx="2">
-              <a:schemeClr val="accent1"/>
-            </a:effectRef>
-            <a:fontRef idx="minor">
-              <a:schemeClr val="lt1"/>
-            </a:fontRef>
-          </p:style>
-          <p:txBody>
-            <a:bodyPr rtlCol="0" anchor="ctr"/>
-            <a:lstStyle/>
-            <a:p>
-              <a:pPr algn="ctr"/>
-              <a:r>
-                <a:rPr lang="en-US" sz="2400" dirty="0">
-                  <a:latin typeface="CronosPro-Regular"/>
-                  <a:cs typeface="CronosPro-Regular"/>
-                </a:rPr>
-                <a:t>Coq theorem</a:t>
-              </a:r>
-            </a:p>
-          </p:txBody>
-        </p:sp>
-        <p:cxnSp>
-          <p:nvCxnSpPr>
-            <p:cNvPr id="14" name="Straight Arrow Connector 13"/>
-            <p:cNvCxnSpPr>
-              <a:endCxn id="6" idx="1"/>
-            </p:cNvCxnSpPr>
-            <p:nvPr/>
-          </p:nvCxnSpPr>
-          <p:spPr>
-            <a:xfrm>
-              <a:off x="2472314" y="3719593"/>
-              <a:ext cx="1028259" cy="805989"/>
-            </a:xfrm>
-            <a:prstGeom prst="straightConnector1">
-              <a:avLst/>
-            </a:prstGeom>
-            <a:ln>
-              <a:prstDash val="solid"/>
-              <a:headEnd type="none"/>
-              <a:tailEnd type="triangle"/>
-            </a:ln>
-            <a:effectLst/>
-          </p:spPr>
-          <p:style>
-            <a:lnRef idx="2">
-              <a:schemeClr val="accent1"/>
-            </a:lnRef>
-            <a:fillRef idx="0">
-              <a:schemeClr val="accent1"/>
-            </a:fillRef>
-            <a:effectRef idx="1">
-              <a:schemeClr val="accent1"/>
-            </a:effectRef>
-            <a:fontRef idx="minor">
-              <a:schemeClr val="tx1"/>
-            </a:fontRef>
-          </p:style>
-        </p:cxnSp>
-      </p:grpSp>
-      <p:grpSp>
-        <p:nvGrpSpPr>
-          <p:cNvPr id="41" name="Group 40"/>
-          <p:cNvGrpSpPr/>
-          <p:nvPr/>
-        </p:nvGrpSpPr>
-        <p:grpSpPr>
-          <a:xfrm>
-            <a:off x="5158893" y="2181144"/>
-            <a:ext cx="2056646" cy="2344438"/>
-            <a:chOff x="5158893" y="2181144"/>
-            <a:chExt cx="2056646" cy="2344438"/>
-          </a:xfrm>
-        </p:grpSpPr>
-        <p:pic>
-          <p:nvPicPr>
-            <p:cNvPr id="7" name="Picture 6"/>
-            <p:cNvPicPr>
-              <a:picLocks noChangeAspect="1"/>
-            </p:cNvPicPr>
-            <p:nvPr/>
-          </p:nvPicPr>
-          <p:blipFill>
-            <a:blip r:embed="rId4"/>
-            <a:stretch>
-              <a:fillRect/>
-            </a:stretch>
-          </p:blipFill>
-          <p:spPr>
-            <a:xfrm>
-              <a:off x="6148739" y="2464307"/>
-              <a:ext cx="1066800" cy="1616364"/>
-            </a:xfrm>
-            <a:prstGeom prst="rect">
-              <a:avLst/>
-            </a:prstGeom>
-          </p:spPr>
-        </p:pic>
-        <p:cxnSp>
-          <p:nvCxnSpPr>
-            <p:cNvPr id="16" name="Straight Arrow Connector 15"/>
-            <p:cNvCxnSpPr>
-              <a:stCxn id="4" idx="3"/>
-            </p:cNvCxnSpPr>
-            <p:nvPr/>
-          </p:nvCxnSpPr>
-          <p:spPr>
-            <a:xfrm>
-              <a:off x="5158893" y="2181144"/>
-              <a:ext cx="989846" cy="915877"/>
-            </a:xfrm>
-            <a:prstGeom prst="straightConnector1">
-              <a:avLst/>
-            </a:prstGeom>
-            <a:ln>
-              <a:prstDash val="solid"/>
-              <a:headEnd type="none"/>
-              <a:tailEnd type="triangle"/>
-            </a:ln>
-            <a:effectLst/>
-          </p:spPr>
-          <p:style>
-            <a:lnRef idx="2">
-              <a:schemeClr val="accent1"/>
-            </a:lnRef>
-            <a:fillRef idx="0">
-              <a:schemeClr val="accent1"/>
-            </a:fillRef>
-            <a:effectRef idx="1">
-              <a:schemeClr val="accent1"/>
-            </a:effectRef>
-            <a:fontRef idx="minor">
-              <a:schemeClr val="tx1"/>
-            </a:fontRef>
-          </p:style>
-        </p:cxnSp>
-        <p:cxnSp>
-          <p:nvCxnSpPr>
-            <p:cNvPr id="18" name="Straight Arrow Connector 17"/>
-            <p:cNvCxnSpPr>
-              <a:stCxn id="6" idx="3"/>
-            </p:cNvCxnSpPr>
-            <p:nvPr/>
-          </p:nvCxnSpPr>
-          <p:spPr>
-            <a:xfrm flipV="1">
-              <a:off x="5158893" y="3533586"/>
-              <a:ext cx="989846" cy="991996"/>
-            </a:xfrm>
-            <a:prstGeom prst="straightConnector1">
-              <a:avLst/>
-            </a:prstGeom>
-            <a:ln>
-              <a:prstDash val="solid"/>
-              <a:headEnd type="none"/>
-              <a:tailEnd type="triangle"/>
-            </a:ln>
-            <a:effectLst/>
-          </p:spPr>
-          <p:style>
-            <a:lnRef idx="2">
-              <a:schemeClr val="accent1"/>
-            </a:lnRef>
-            <a:fillRef idx="0">
-              <a:schemeClr val="accent1"/>
-            </a:fillRef>
-            <a:effectRef idx="1">
-              <a:schemeClr val="accent1"/>
-            </a:effectRef>
-            <a:fontRef idx="minor">
-              <a:schemeClr val="tx1"/>
-            </a:fontRef>
-          </p:style>
-        </p:cxnSp>
-      </p:grpSp>
-      <p:grpSp>
-        <p:nvGrpSpPr>
-          <p:cNvPr id="42" name="Group 41"/>
-          <p:cNvGrpSpPr/>
-          <p:nvPr/>
-        </p:nvGrpSpPr>
-        <p:grpSpPr>
-          <a:xfrm>
-            <a:off x="2297193" y="3219607"/>
-            <a:ext cx="6737352" cy="1894911"/>
-            <a:chOff x="2297193" y="3219607"/>
-            <a:chExt cx="6737352" cy="1894911"/>
-          </a:xfrm>
-        </p:grpSpPr>
-        <p:cxnSp>
-          <p:nvCxnSpPr>
-            <p:cNvPr id="20" name="Straight Arrow Connector 19"/>
-            <p:cNvCxnSpPr>
-              <a:endCxn id="7" idx="1"/>
-            </p:cNvCxnSpPr>
-            <p:nvPr/>
-          </p:nvCxnSpPr>
-          <p:spPr>
-            <a:xfrm>
-              <a:off x="2297193" y="3240373"/>
-              <a:ext cx="3851546" cy="32116"/>
-            </a:xfrm>
-            <a:prstGeom prst="straightConnector1">
-              <a:avLst/>
-            </a:prstGeom>
-            <a:ln>
-              <a:prstDash val="solid"/>
-              <a:headEnd type="none"/>
-              <a:tailEnd type="triangle"/>
-            </a:ln>
-            <a:effectLst/>
-          </p:spPr>
-          <p:style>
-            <a:lnRef idx="2">
-              <a:schemeClr val="accent1"/>
-            </a:lnRef>
-            <a:fillRef idx="0">
-              <a:schemeClr val="accent1"/>
-            </a:fillRef>
-            <a:effectRef idx="1">
-              <a:schemeClr val="accent1"/>
-            </a:effectRef>
-            <a:fontRef idx="minor">
-              <a:schemeClr val="tx1"/>
-            </a:fontRef>
-          </p:style>
-        </p:cxnSp>
-        <p:sp>
-          <p:nvSpPr>
-            <p:cNvPr id="26" name="TextBox 25"/>
-            <p:cNvSpPr txBox="1"/>
-            <p:nvPr/>
-          </p:nvSpPr>
-          <p:spPr>
-            <a:xfrm>
-              <a:off x="3310744" y="3219607"/>
-              <a:ext cx="2069797" cy="369332"/>
-            </a:xfrm>
-            <a:prstGeom prst="rect">
-              <a:avLst/>
-            </a:prstGeom>
-            <a:noFill/>
-          </p:spPr>
-          <p:txBody>
-            <a:bodyPr wrap="none" rtlCol="0">
-              <a:spAutoFit/>
-            </a:bodyPr>
-            <a:lstStyle/>
-            <a:p>
-              <a:r>
-                <a:rPr lang="en-US">
-                  <a:latin typeface="CronosPro-Regular"/>
-                  <a:cs typeface="CronosPro-Regular"/>
-                </a:rPr>
-                <a:t>guidance with </a:t>
-              </a:r>
-              <a:r>
-                <a:rPr lang="en-US" i="1">
-                  <a:latin typeface="CronosPro-Regular"/>
-                  <a:cs typeface="CronosPro-Regular"/>
-                </a:rPr>
-                <a:t>tactics</a:t>
-              </a:r>
-              <a:endParaRPr lang="en-US" dirty="0">
-                <a:latin typeface="CronosPro-Regular"/>
-                <a:cs typeface="CronosPro-Regular"/>
-              </a:endParaRPr>
-            </a:p>
-          </p:txBody>
-        </p:sp>
-        <p:sp>
-          <p:nvSpPr>
-            <p:cNvPr id="27" name="Rectangle 26"/>
-            <p:cNvSpPr/>
-            <p:nvPr/>
-          </p:nvSpPr>
-          <p:spPr>
-            <a:xfrm>
-              <a:off x="7376225" y="3936646"/>
-              <a:ext cx="1658320" cy="1177872"/>
-            </a:xfrm>
-            <a:prstGeom prst="rect">
-              <a:avLst/>
-            </a:prstGeom>
-            <a:solidFill>
-              <a:schemeClr val="tx2">
-                <a:lumMod val="40000"/>
-                <a:lumOff val="60000"/>
-              </a:schemeClr>
-            </a:solidFill>
-            <a:ln>
-              <a:noFill/>
-            </a:ln>
-            <a:effectLst/>
-          </p:spPr>
-          <p:style>
-            <a:lnRef idx="1">
-              <a:schemeClr val="accent1"/>
-            </a:lnRef>
-            <a:fillRef idx="3">
-              <a:schemeClr val="accent1"/>
-            </a:fillRef>
-            <a:effectRef idx="2">
-              <a:schemeClr val="accent1"/>
-            </a:effectRef>
-            <a:fontRef idx="minor">
-              <a:schemeClr val="lt1"/>
-            </a:fontRef>
-          </p:style>
-          <p:txBody>
-            <a:bodyPr rtlCol="0" anchor="ctr"/>
-            <a:lstStyle/>
-            <a:p>
-              <a:pPr algn="ctr"/>
-              <a:r>
-                <a:rPr lang="en-US" sz="2400" dirty="0">
-                  <a:latin typeface="CronosPro-Regular"/>
-                  <a:cs typeface="CronosPro-Regular"/>
-                </a:rPr>
-                <a:t>Proof of theorem</a:t>
-              </a:r>
-            </a:p>
-          </p:txBody>
-        </p:sp>
-        <p:cxnSp>
-          <p:nvCxnSpPr>
-            <p:cNvPr id="29" name="Straight Arrow Connector 28"/>
-            <p:cNvCxnSpPr>
-              <a:stCxn id="7" idx="2"/>
-            </p:cNvCxnSpPr>
-            <p:nvPr/>
-          </p:nvCxnSpPr>
-          <p:spPr>
-            <a:xfrm>
-              <a:off x="6682139" y="4080671"/>
-              <a:ext cx="533400" cy="444911"/>
-            </a:xfrm>
-            <a:prstGeom prst="straightConnector1">
-              <a:avLst/>
-            </a:prstGeom>
-            <a:ln>
-              <a:prstDash val="solid"/>
-              <a:headEnd type="none"/>
-              <a:tailEnd type="triangle"/>
-            </a:ln>
-            <a:effectLst/>
-          </p:spPr>
-          <p:style>
-            <a:lnRef idx="2">
-              <a:schemeClr val="accent1"/>
-            </a:lnRef>
-            <a:fillRef idx="0">
-              <a:schemeClr val="accent1"/>
-            </a:fillRef>
-            <a:effectRef idx="1">
-              <a:schemeClr val="accent1"/>
-            </a:effectRef>
-            <a:fontRef idx="minor">
-              <a:schemeClr val="tx1"/>
-            </a:fontRef>
-          </p:style>
-        </p:cxnSp>
-      </p:grpSp>
-      <p:grpSp>
-        <p:nvGrpSpPr>
-          <p:cNvPr id="43" name="Group 42"/>
-          <p:cNvGrpSpPr/>
-          <p:nvPr/>
-        </p:nvGrpSpPr>
-        <p:grpSpPr>
-          <a:xfrm>
-            <a:off x="6682139" y="1592208"/>
-            <a:ext cx="2352406" cy="1177872"/>
-            <a:chOff x="6682139" y="1592208"/>
-            <a:chExt cx="2352406" cy="1177872"/>
-          </a:xfrm>
-        </p:grpSpPr>
-        <p:sp>
-          <p:nvSpPr>
-            <p:cNvPr id="32" name="Rectangle 31"/>
-            <p:cNvSpPr/>
-            <p:nvPr/>
-          </p:nvSpPr>
-          <p:spPr>
-            <a:xfrm>
-              <a:off x="7376225" y="1592208"/>
-              <a:ext cx="1658320" cy="1177872"/>
-            </a:xfrm>
-            <a:prstGeom prst="rect">
-              <a:avLst/>
-            </a:prstGeom>
-            <a:solidFill>
-              <a:schemeClr val="tx2">
-                <a:lumMod val="40000"/>
-                <a:lumOff val="60000"/>
-              </a:schemeClr>
-            </a:solidFill>
-            <a:ln>
-              <a:noFill/>
-            </a:ln>
-            <a:effectLst/>
-          </p:spPr>
-          <p:style>
-            <a:lnRef idx="1">
-              <a:schemeClr val="accent1"/>
-            </a:lnRef>
-            <a:fillRef idx="3">
-              <a:schemeClr val="accent1"/>
-            </a:fillRef>
-            <a:effectRef idx="2">
-              <a:schemeClr val="accent1"/>
-            </a:effectRef>
-            <a:fontRef idx="minor">
-              <a:schemeClr val="lt1"/>
-            </a:fontRef>
-          </p:style>
-          <p:txBody>
-            <a:bodyPr rtlCol="0" anchor="ctr"/>
-            <a:lstStyle/>
-            <a:p>
-              <a:pPr algn="ctr"/>
-              <a:r>
-                <a:rPr lang="en-US" sz="2400" dirty="0">
-                  <a:latin typeface="CronosPro-Regular"/>
-                  <a:cs typeface="CronosPro-Regular"/>
-                </a:rPr>
-                <a:t>Verified </a:t>
-              </a:r>
-              <a:r>
-                <a:rPr lang="en-US" sz="2400" dirty="0" err="1">
-                  <a:latin typeface="CronosPro-Regular"/>
-                  <a:cs typeface="CronosPro-Regular"/>
-                </a:rPr>
-                <a:t>OCaml</a:t>
-              </a:r>
-              <a:r>
-                <a:rPr lang="en-US" sz="2400" dirty="0">
-                  <a:latin typeface="CronosPro-Regular"/>
-                  <a:cs typeface="CronosPro-Regular"/>
-                </a:rPr>
-                <a:t> program</a:t>
-              </a:r>
-            </a:p>
-          </p:txBody>
-        </p:sp>
-        <p:cxnSp>
-          <p:nvCxnSpPr>
-            <p:cNvPr id="34" name="Straight Arrow Connector 33"/>
-            <p:cNvCxnSpPr>
-              <a:stCxn id="7" idx="0"/>
-            </p:cNvCxnSpPr>
-            <p:nvPr/>
-          </p:nvCxnSpPr>
-          <p:spPr>
-            <a:xfrm flipV="1">
-              <a:off x="6682139" y="2181144"/>
-              <a:ext cx="533400" cy="283163"/>
-            </a:xfrm>
-            <a:prstGeom prst="straightConnector1">
-              <a:avLst/>
-            </a:prstGeom>
-            <a:ln>
-              <a:prstDash val="solid"/>
-              <a:headEnd type="none"/>
-              <a:tailEnd type="triangle"/>
-            </a:ln>
-            <a:effectLst/>
-          </p:spPr>
-          <p:style>
-            <a:lnRef idx="2">
-              <a:schemeClr val="accent1"/>
-            </a:lnRef>
-            <a:fillRef idx="0">
-              <a:schemeClr val="accent1"/>
-            </a:fillRef>
-            <a:effectRef idx="1">
-              <a:schemeClr val="accent1"/>
-            </a:effectRef>
-            <a:fontRef idx="minor">
-              <a:schemeClr val="tx1"/>
-            </a:fontRef>
-          </p:style>
-        </p:cxnSp>
-      </p:grpSp>
-      <p:sp>
-        <p:nvSpPr>
-          <p:cNvPr id="22" name="TextBox 21">
-            <a:extLst>
-              <a:ext uri="{FF2B5EF4-FFF2-40B4-BE49-F238E27FC236}">
-                <a16:creationId xmlns:a16="http://schemas.microsoft.com/office/drawing/2014/main" id="{752496FD-D81E-7446-B157-A9589C95ADD5}"/>
-              </a:ext>
-            </a:extLst>
-          </p:cNvPr>
-          <p:cNvSpPr txBox="1"/>
-          <p:nvPr/>
-        </p:nvSpPr>
-        <p:spPr>
-          <a:xfrm>
-            <a:off x="7820832" y="6094812"/>
-            <a:ext cx="914033" cy="461665"/>
-          </a:xfrm>
-          <a:prstGeom prst="rect">
-            <a:avLst/>
-          </a:prstGeom>
-          <a:noFill/>
-        </p:spPr>
-        <p:txBody>
-          <a:bodyPr wrap="square" rtlCol="0">
-            <a:spAutoFit/>
-          </a:bodyPr>
-          <a:lstStyle/>
-          <a:p>
-            <a:r>
-              <a:rPr lang="en-US" sz="2400" dirty="0">
-                <a:solidFill>
-                  <a:schemeClr val="bg2">
-                    <a:lumMod val="50000"/>
-                  </a:schemeClr>
-                </a:solidFill>
-                <a:latin typeface="Cronos Pro" panose="020C0502030403020304" pitchFamily="34" charset="77"/>
-              </a:rPr>
-              <a:t>Demo</a:t>
-            </a:r>
-          </a:p>
-        </p:txBody>
-      </p:sp>
-    </p:spTree>
-    <p:extLst>
-      <p:ext uri="{BB962C8B-B14F-4D97-AF65-F5344CB8AC3E}">
-        <p14:creationId xmlns:p14="http://schemas.microsoft.com/office/powerpoint/2010/main" val="1684133931"/>
-      </p:ext>
-    </p:extLst>
-  </p:cSld>
-  <p:clrMapOvr>
-    <a:masterClrMapping/>
-  </p:clrMapOvr>
-  <p:timing>
-    <p:tnLst>
-      <p:par>
-        <p:cTn id="1" dur="indefinite" restart="never" nodeType="tmRoot">
-          <p:childTnLst>
-            <p:seq concurrent="1" nextAc="seek">
-              <p:cTn id="2" dur="indefinite" nodeType="mainSeq">
-                <p:childTnLst>
-                  <p:par>
-                    <p:cTn id="3" fill="hold">
-                      <p:stCondLst>
-                        <p:cond delay="indefinite"/>
-                      </p:stCondLst>
-                      <p:childTnLst>
-                        <p:par>
-                          <p:cTn id="4" fill="hold">
-                            <p:stCondLst>
-                              <p:cond delay="0"/>
-                            </p:stCondLst>
-                            <p:childTnLst>
-                              <p:par>
-                                <p:cTn id="5" presetID="1" presetClass="entr" presetSubtype="0" fill="hold" nodeType="clickEffect">
-                                  <p:stCondLst>
-                                    <p:cond delay="0"/>
-                                  </p:stCondLst>
-                                  <p:childTnLst>
-                                    <p:set>
-                                      <p:cBhvr>
-                                        <p:cTn id="6" dur="1" fill="hold">
-                                          <p:stCondLst>
-                                            <p:cond delay="0"/>
-                                          </p:stCondLst>
-                                        </p:cTn>
-                                        <p:tgtEl>
-                                          <p:spTgt spid="39"/>
-                                        </p:tgtEl>
-                                        <p:attrNameLst>
-                                          <p:attrName>style.visibility</p:attrName>
-                                        </p:attrNameLst>
-                                      </p:cBhvr>
-                                      <p:to>
-                                        <p:strVal val="visible"/>
-                                      </p:to>
-                                    </p:set>
-                                  </p:childTnLst>
-                                </p:cTn>
-                              </p:par>
-                            </p:childTnLst>
-                          </p:cTn>
-                        </p:par>
-                      </p:childTnLst>
-                    </p:cTn>
-                  </p:par>
-                  <p:par>
-                    <p:cTn id="7" fill="hold">
-                      <p:stCondLst>
-                        <p:cond delay="indefinite"/>
-                      </p:stCondLst>
-                      <p:childTnLst>
-                        <p:par>
-                          <p:cTn id="8" fill="hold">
-                            <p:stCondLst>
-                              <p:cond delay="0"/>
-                            </p:stCondLst>
-                            <p:childTnLst>
-                              <p:par>
-                                <p:cTn id="9" presetID="1" presetClass="entr" presetSubtype="0" fill="hold" nodeType="clickEffect">
-                                  <p:stCondLst>
-                                    <p:cond delay="0"/>
-                                  </p:stCondLst>
-                                  <p:childTnLst>
-                                    <p:set>
-                                      <p:cBhvr>
-                                        <p:cTn id="10" dur="1" fill="hold">
-                                          <p:stCondLst>
-                                            <p:cond delay="0"/>
-                                          </p:stCondLst>
-                                        </p:cTn>
-                                        <p:tgtEl>
-                                          <p:spTgt spid="40"/>
-                                        </p:tgtEl>
-                                        <p:attrNameLst>
-                                          <p:attrName>style.visibility</p:attrName>
-                                        </p:attrNameLst>
-                                      </p:cBhvr>
-                                      <p:to>
-                                        <p:strVal val="visible"/>
-                                      </p:to>
-                                    </p:set>
-                                  </p:childTnLst>
-                                </p:cTn>
-                              </p:par>
-                            </p:childTnLst>
-                          </p:cTn>
-                        </p:par>
-                      </p:childTnLst>
-                    </p:cTn>
-                  </p:par>
-                  <p:par>
-                    <p:cTn id="11" fill="hold">
-                      <p:stCondLst>
-                        <p:cond delay="indefinite"/>
-                      </p:stCondLst>
-                      <p:childTnLst>
-                        <p:par>
-                          <p:cTn id="12" fill="hold">
-                            <p:stCondLst>
-                              <p:cond delay="0"/>
-                            </p:stCondLst>
-                            <p:childTnLst>
-                              <p:par>
-                                <p:cTn id="13" presetID="1" presetClass="entr" presetSubtype="0" fill="hold" nodeType="clickEffect">
-                                  <p:stCondLst>
-                                    <p:cond delay="0"/>
-                                  </p:stCondLst>
-                                  <p:childTnLst>
-                                    <p:set>
-                                      <p:cBhvr>
-                                        <p:cTn id="14" dur="1" fill="hold">
-                                          <p:stCondLst>
-                                            <p:cond delay="0"/>
-                                          </p:stCondLst>
-                                        </p:cTn>
-                                        <p:tgtEl>
-                                          <p:spTgt spid="41"/>
-                                        </p:tgtEl>
-                                        <p:attrNameLst>
-                                          <p:attrName>style.visibility</p:attrName>
-                                        </p:attrNameLst>
-                                      </p:cBhvr>
-                                      <p:to>
-                                        <p:strVal val="visible"/>
-                                      </p:to>
-                                    </p:set>
-                                  </p:childTnLst>
-                                </p:cTn>
-                              </p:par>
-                            </p:childTnLst>
-                          </p:cTn>
-                        </p:par>
-                      </p:childTnLst>
-                    </p:cTn>
-                  </p:par>
-                  <p:par>
-                    <p:cTn id="15" fill="hold">
-                      <p:stCondLst>
-                        <p:cond delay="indefinite"/>
-                      </p:stCondLst>
-                      <p:childTnLst>
-                        <p:par>
-                          <p:cTn id="16" fill="hold">
-                            <p:stCondLst>
-                              <p:cond delay="0"/>
-                            </p:stCondLst>
-                            <p:childTnLst>
-                              <p:par>
-                                <p:cTn id="17" presetID="1" presetClass="entr" presetSubtype="0" fill="hold" nodeType="clickEffect">
-                                  <p:stCondLst>
-                                    <p:cond delay="0"/>
-                                  </p:stCondLst>
-                                  <p:childTnLst>
-                                    <p:set>
-                                      <p:cBhvr>
-                                        <p:cTn id="18" dur="1" fill="hold">
-                                          <p:stCondLst>
-                                            <p:cond delay="0"/>
-                                          </p:stCondLst>
-                                        </p:cTn>
-                                        <p:tgtEl>
-                                          <p:spTgt spid="42"/>
-                                        </p:tgtEl>
-                                        <p:attrNameLst>
-                                          <p:attrName>style.visibility</p:attrName>
-                                        </p:attrNameLst>
-                                      </p:cBhvr>
-                                      <p:to>
-                                        <p:strVal val="visible"/>
-                                      </p:to>
-                                    </p:set>
-                                  </p:childTnLst>
-                                </p:cTn>
-                              </p:par>
-                            </p:childTnLst>
-                          </p:cTn>
-                        </p:par>
-                      </p:childTnLst>
-                    </p:cTn>
-                  </p:par>
-                  <p:par>
-                    <p:cTn id="19" fill="hold">
-                      <p:stCondLst>
-                        <p:cond delay="indefinite"/>
-                      </p:stCondLst>
-                      <p:childTnLst>
-                        <p:par>
-                          <p:cTn id="20" fill="hold">
-                            <p:stCondLst>
-                              <p:cond delay="0"/>
-                            </p:stCondLst>
-                            <p:childTnLst>
-                              <p:par>
-                                <p:cTn id="21" presetID="1" presetClass="entr" presetSubtype="0" fill="hold" nodeType="clickEffect">
-                                  <p:stCondLst>
-                                    <p:cond delay="0"/>
-                                  </p:stCondLst>
-                                  <p:childTnLst>
-                                    <p:set>
-                                      <p:cBhvr>
-                                        <p:cTn id="22" dur="1" fill="hold">
-                                          <p:stCondLst>
-                                            <p:cond delay="0"/>
-                                          </p:stCondLst>
-                                        </p:cTn>
-                                        <p:tgtEl>
-                                          <p:spTgt spid="43"/>
-                                        </p:tgtEl>
-                                        <p:attrNameLst>
-                                          <p:attrName>style.visibility</p:attrName>
-                                        </p:attrNameLst>
-                                      </p:cBhvr>
-                                      <p:to>
-                                        <p:strVal val="visible"/>
-                                      </p:to>
-                                    </p:set>
-                                  </p:childTnLst>
-                                </p:cTn>
-                              </p:par>
-                            </p:childTnLst>
-                          </p:cTn>
-                        </p:par>
-                      </p:childTnLst>
-                    </p:cTn>
-                  </p:par>
-                  <p:par>
-                    <p:cTn id="23" fill="hold">
-                      <p:stCondLst>
-                        <p:cond delay="indefinite"/>
-                      </p:stCondLst>
-                      <p:childTnLst>
-                        <p:par>
-                          <p:cTn id="24" fill="hold">
-                            <p:stCondLst>
-                              <p:cond delay="0"/>
-                            </p:stCondLst>
-                            <p:childTnLst>
-                              <p:par>
-                                <p:cTn id="25" presetID="1" presetClass="entr" presetSubtype="0" fill="hold" grpId="0" nodeType="clickEffect">
-                                  <p:stCondLst>
-                                    <p:cond delay="0"/>
-                                  </p:stCondLst>
-                                  <p:childTnLst>
-                                    <p:set>
-                                      <p:cBhvr>
-                                        <p:cTn id="26" dur="1" fill="hold">
-                                          <p:stCondLst>
-                                            <p:cond delay="0"/>
-                                          </p:stCondLst>
-                                        </p:cTn>
-                                        <p:tgtEl>
-                                          <p:spTgt spid="22"/>
-                                        </p:tgtEl>
-                                        <p:attrNameLst>
-                                          <p:attrName>style.visibility</p:attrName>
-                                        </p:attrNameLst>
-                                      </p:cBhvr>
-                                      <p:to>
-                                        <p:strVal val="visible"/>
-                                      </p:to>
-                                    </p:set>
-                                  </p:childTnLst>
-                                </p:cTn>
-                              </p:par>
-                            </p:childTnLst>
-                          </p:cTn>
-                        </p:par>
-                      </p:childTnLst>
-                    </p:cTn>
-                  </p:par>
-                </p:childTnLst>
-              </p:cTn>
-              <p:prevCondLst>
-                <p:cond evt="onPrev" delay="0">
-                  <p:tgtEl>
-                    <p:sldTgt/>
-                  </p:tgtEl>
-                </p:cond>
-              </p:prevCondLst>
-              <p:nextCondLst>
-                <p:cond evt="onNext" delay="0">
-                  <p:tgtEl>
-                    <p:sldTgt/>
-                  </p:tgtEl>
-                </p:cond>
-              </p:nextCondLst>
-            </p:seq>
-          </p:childTnLst>
-        </p:cTn>
-      </p:par>
-    </p:tnLst>
-    <p:bldLst>
-      <p:bldP spid="22" grpId="0"/>
-    </p:bldLst>
-  </p:timing>
-</p:sld>
-</file>
-
-<file path=ppt/slides/slide39.xml><?xml version="1.0" encoding="utf-8"?>
-<p:sld xmlns:a="http://schemas.openxmlformats.org/drawingml/2006/main" xmlns:r="http://schemas.openxmlformats.org/officeDocument/2006/relationships" xmlns:p="http://schemas.openxmlformats.org/presentationml/2006/main">
-  <p:cSld>
-    <p:spTree>
-      <p:nvGrpSpPr>
-        <p:cNvPr id="1" name=""/>
-        <p:cNvGrpSpPr/>
-        <p:nvPr/>
-      </p:nvGrpSpPr>
-      <p:grpSpPr>
-        <a:xfrm>
-          <a:off x="0" y="0"/>
-          <a:ext cx="0" cy="0"/>
-          <a:chOff x="0" y="0"/>
-          <a:chExt cx="0" cy="0"/>
-        </a:xfrm>
-      </p:grpSpPr>
-      <p:pic>
-        <p:nvPicPr>
-          <p:cNvPr id="4" name="Picture 3"/>
-          <p:cNvPicPr>
-            <a:picLocks noChangeAspect="1"/>
-          </p:cNvPicPr>
-          <p:nvPr/>
-        </p:nvPicPr>
-        <p:blipFill>
-          <a:blip r:embed="rId3">
-            <a:extLst>
-              <a:ext uri="{28A0092B-C50C-407E-A947-70E740481C1C}">
-                <a14:useLocalDpi xmlns:a14="http://schemas.microsoft.com/office/drawing/2010/main"/>
-              </a:ext>
-            </a:extLst>
-          </a:blip>
-          <a:stretch>
-            <a:fillRect/>
-          </a:stretch>
-        </p:blipFill>
-        <p:spPr>
-          <a:xfrm>
-            <a:off x="416907" y="2332172"/>
-            <a:ext cx="8310187" cy="2193656"/>
-          </a:xfrm>
-          <a:prstGeom prst="rect">
-            <a:avLst/>
-          </a:prstGeom>
-        </p:spPr>
-      </p:pic>
-    </p:spTree>
-    <p:extLst>
-      <p:ext uri="{BB962C8B-B14F-4D97-AF65-F5344CB8AC3E}">
-        <p14:creationId xmlns:p14="http://schemas.microsoft.com/office/powerpoint/2010/main" val="2474515438"/>
+        <p14:creationId xmlns:p14="http://schemas.microsoft.com/office/powerpoint/2010/main" val="3381974257"/>
       </p:ext>
     </p:extLst>
   </p:cSld>
@@ -23657,147 +21484,6 @@
     <p:extLst>
       <p:ext uri="{BB962C8B-B14F-4D97-AF65-F5344CB8AC3E}">
         <p14:creationId xmlns:p14="http://schemas.microsoft.com/office/powerpoint/2010/main" val="3604704171"/>
-      </p:ext>
-    </p:extLst>
-  </p:cSld>
-  <p:clrMapOvr>
-    <a:masterClrMapping/>
-  </p:clrMapOvr>
-</p:sld>
-</file>
-
-<file path=ppt/slides/slide40.xml><?xml version="1.0" encoding="utf-8"?>
-<p:sld xmlns:a="http://schemas.openxmlformats.org/drawingml/2006/main" xmlns:r="http://schemas.openxmlformats.org/officeDocument/2006/relationships" xmlns:p="http://schemas.openxmlformats.org/presentationml/2006/main">
-  <p:cSld>
-    <p:spTree>
-      <p:nvGrpSpPr>
-        <p:cNvPr id="1" name=""/>
-        <p:cNvGrpSpPr/>
-        <p:nvPr/>
-      </p:nvGrpSpPr>
-      <p:grpSpPr>
-        <a:xfrm>
-          <a:off x="0" y="0"/>
-          <a:ext cx="0" cy="0"/>
-          <a:chOff x="0" y="0"/>
-          <a:chExt cx="0" cy="0"/>
-        </a:xfrm>
-      </p:grpSpPr>
-      <p:sp>
-        <p:nvSpPr>
-          <p:cNvPr id="2" name="Title 1"/>
-          <p:cNvSpPr>
-            <a:spLocks noGrp="1"/>
-          </p:cNvSpPr>
-          <p:nvPr>
-            <p:ph type="title"/>
-          </p:nvPr>
-        </p:nvSpPr>
-        <p:spPr/>
-        <p:txBody>
-          <a:bodyPr/>
-          <a:lstStyle/>
-          <a:p>
-            <a:r>
-              <a:rPr lang="en-US" dirty="0"/>
-              <a:t>Upcoming events</a:t>
-            </a:r>
-          </a:p>
-        </p:txBody>
-      </p:sp>
-      <p:sp>
-        <p:nvSpPr>
-          <p:cNvPr id="3" name="Content Placeholder 2"/>
-          <p:cNvSpPr>
-            <a:spLocks noGrp="1"/>
-          </p:cNvSpPr>
-          <p:nvPr>
-            <p:ph idx="1"/>
-          </p:nvPr>
-        </p:nvSpPr>
-        <p:spPr>
-          <a:xfrm>
-            <a:off x="457200" y="1600200"/>
-            <a:ext cx="8229600" cy="5188928"/>
-          </a:xfrm>
-        </p:spPr>
-        <p:txBody>
-          <a:bodyPr>
-            <a:normAutofit/>
-          </a:bodyPr>
-          <a:lstStyle/>
-          <a:p>
-            <a:pPr marL="342900" lvl="1" indent="-342900">
-              <a:buFont typeface="Arial"/>
-              <a:buChar char="•"/>
-            </a:pPr>
-            <a:r>
-              <a:rPr lang="en-US" sz="3200" dirty="0"/>
-              <a:t>[Wed] A6 due</a:t>
-            </a:r>
-          </a:p>
-          <a:p>
-            <a:pPr marL="0" indent="0">
-              <a:buNone/>
-            </a:pPr>
-            <a:endParaRPr lang="en-US" b="1" dirty="0"/>
-          </a:p>
-          <a:p>
-            <a:pPr marL="0" indent="0">
-              <a:buNone/>
-            </a:pPr>
-            <a:endParaRPr lang="en-US" b="1" dirty="0"/>
-          </a:p>
-          <a:p>
-            <a:pPr marL="0" indent="0">
-              <a:buNone/>
-            </a:pPr>
-            <a:endParaRPr lang="en-US" b="1" dirty="0"/>
-          </a:p>
-          <a:p>
-            <a:pPr marL="0" indent="0">
-              <a:buNone/>
-            </a:pPr>
-            <a:endParaRPr lang="en-US" b="1" dirty="0"/>
-          </a:p>
-          <a:p>
-            <a:pPr marL="0" indent="0" algn="ctr">
-              <a:buNone/>
-            </a:pPr>
-            <a:r>
-              <a:rPr lang="en-US" i="1" dirty="0"/>
-              <a:t>This is formal.</a:t>
-            </a:r>
-          </a:p>
-          <a:p>
-            <a:pPr marL="0" indent="0" algn="ctr">
-              <a:buNone/>
-            </a:pPr>
-            <a:r>
-              <a:rPr lang="en-US" sz="5100" b="1" dirty="0">
-                <a:solidFill>
-                  <a:srgbClr val="B31B1B"/>
-                </a:solidFill>
-                <a:latin typeface="Engravers MT"/>
-                <a:cs typeface="Engravers MT"/>
-                <a:sym typeface="Wingdings"/>
-              </a:rPr>
-              <a:t>THIS IS 3110</a:t>
-            </a:r>
-            <a:endParaRPr lang="en-US" sz="5100" b="1" dirty="0">
-              <a:solidFill>
-                <a:srgbClr val="B31B1B"/>
-              </a:solidFill>
-              <a:latin typeface="Engravers MT"/>
-              <a:cs typeface="Engravers MT"/>
-            </a:endParaRPr>
-          </a:p>
-        </p:txBody>
-      </p:sp>
-    </p:spTree>
-    <p:extLst>
-      <p:ext uri="{BB962C8B-B14F-4D97-AF65-F5344CB8AC3E}">
-        <p14:creationId xmlns:p14="http://schemas.microsoft.com/office/powerpoint/2010/main" val="3381974257"/>
       </p:ext>
     </p:extLst>
   </p:cSld>

--- a/20-proofs/lec.pptx
+++ b/20-proofs/lec.pptx
@@ -247,7 +247,7 @@
             <a:fld id="{5367F125-181F-9A48-A24E-AAD89CB055B5}" type="datetimeFigureOut">
               <a:rPr lang="en-US" smtClean="0"/>
               <a:pPr/>
-              <a:t>11/12/19</a:t>
+              <a:t>11/13/19</a:t>
             </a:fld>
             <a:endParaRPr lang="en-US" dirty="0"/>
           </a:p>
@@ -2941,7 +2941,7 @@
           <a:p>
             <a:fld id="{96331252-4874-F047-84B8-3D3EF8743E79}" type="datetimeFigureOut">
               <a:rPr lang="en-US" smtClean="0"/>
-              <a:t>11/12/19</a:t>
+              <a:t>11/13/19</a:t>
             </a:fld>
             <a:endParaRPr lang="en-US"/>
           </a:p>
@@ -3208,7 +3208,7 @@
           <a:p>
             <a:fld id="{96331252-4874-F047-84B8-3D3EF8743E79}" type="datetimeFigureOut">
               <a:rPr lang="en-US" smtClean="0"/>
-              <a:t>11/12/19</a:t>
+              <a:t>11/13/19</a:t>
             </a:fld>
             <a:endParaRPr lang="en-US"/>
           </a:p>
@@ -3386,7 +3386,7 @@
           <a:p>
             <a:fld id="{96331252-4874-F047-84B8-3D3EF8743E79}" type="datetimeFigureOut">
               <a:rPr lang="en-US" smtClean="0"/>
-              <a:t>11/12/19</a:t>
+              <a:t>11/13/19</a:t>
             </a:fld>
             <a:endParaRPr lang="en-US"/>
           </a:p>
@@ -3562,7 +3562,7 @@
           <a:p>
             <a:fld id="{96331252-4874-F047-84B8-3D3EF8743E79}" type="datetimeFigureOut">
               <a:rPr lang="en-US" smtClean="0"/>
-              <a:t>11/12/19</a:t>
+              <a:t>11/13/19</a:t>
             </a:fld>
             <a:endParaRPr lang="en-US"/>
           </a:p>
@@ -3807,7 +3807,7 @@
           <a:p>
             <a:fld id="{96331252-4874-F047-84B8-3D3EF8743E79}" type="datetimeFigureOut">
               <a:rPr lang="en-US" smtClean="0"/>
-              <a:t>11/12/19</a:t>
+              <a:t>11/13/19</a:t>
             </a:fld>
             <a:endParaRPr lang="en-US"/>
           </a:p>
@@ -4092,7 +4092,7 @@
           <a:p>
             <a:fld id="{96331252-4874-F047-84B8-3D3EF8743E79}" type="datetimeFigureOut">
               <a:rPr lang="en-US" smtClean="0"/>
-              <a:t>11/12/19</a:t>
+              <a:t>11/13/19</a:t>
             </a:fld>
             <a:endParaRPr lang="en-US"/>
           </a:p>
@@ -4511,7 +4511,7 @@
           <a:p>
             <a:fld id="{96331252-4874-F047-84B8-3D3EF8743E79}" type="datetimeFigureOut">
               <a:rPr lang="en-US" smtClean="0"/>
-              <a:t>11/12/19</a:t>
+              <a:t>11/13/19</a:t>
             </a:fld>
             <a:endParaRPr lang="en-US"/>
           </a:p>
@@ -4628,7 +4628,7 @@
           <a:p>
             <a:fld id="{96331252-4874-F047-84B8-3D3EF8743E79}" type="datetimeFigureOut">
               <a:rPr lang="en-US" smtClean="0"/>
-              <a:t>11/12/19</a:t>
+              <a:t>11/13/19</a:t>
             </a:fld>
             <a:endParaRPr lang="en-US"/>
           </a:p>
@@ -4723,7 +4723,7 @@
           <a:p>
             <a:fld id="{96331252-4874-F047-84B8-3D3EF8743E79}" type="datetimeFigureOut">
               <a:rPr lang="en-US" smtClean="0"/>
-              <a:t>11/12/19</a:t>
+              <a:t>11/13/19</a:t>
             </a:fld>
             <a:endParaRPr lang="en-US"/>
           </a:p>
@@ -4998,7 +4998,7 @@
           <a:p>
             <a:fld id="{96331252-4874-F047-84B8-3D3EF8743E79}" type="datetimeFigureOut">
               <a:rPr lang="en-US" smtClean="0"/>
-              <a:t>11/12/19</a:t>
+              <a:t>11/13/19</a:t>
             </a:fld>
             <a:endParaRPr lang="en-US"/>
           </a:p>
@@ -5250,7 +5250,7 @@
           <a:p>
             <a:fld id="{96331252-4874-F047-84B8-3D3EF8743E79}" type="datetimeFigureOut">
               <a:rPr lang="en-US" smtClean="0"/>
-              <a:t>11/12/19</a:t>
+              <a:t>11/13/19</a:t>
             </a:fld>
             <a:endParaRPr lang="en-US"/>
           </a:p>
@@ -5464,7 +5464,7 @@
             <a:fld id="{96331252-4874-F047-84B8-3D3EF8743E79}" type="datetimeFigureOut">
               <a:rPr lang="en-US" smtClean="0"/>
               <a:pPr/>
-              <a:t>11/12/19</a:t>
+              <a:t>11/13/19</a:t>
             </a:fld>
             <a:endParaRPr lang="en-US"/>
           </a:p>
@@ -11788,7 +11788,35 @@
                 <a:latin typeface="Cronos Pro" panose="020C0502030403020304" pitchFamily="34" charset="77"/>
                 <a:cs typeface="Courier"/>
               </a:rPr>
-              <a:t> n, P(n) implies P(n+1))</a:t>
+              <a:t> k, P</a:t>
+            </a:r>
+            <a:r>
+              <a:rPr lang="en-US" sz="3600">
+                <a:latin typeface="Cronos Pro" panose="020C0502030403020304" pitchFamily="34" charset="77"/>
+                <a:cs typeface="Courier"/>
+              </a:rPr>
+              <a:t>(k) </a:t>
+            </a:r>
+            <a:r>
+              <a:rPr lang="en-US" sz="3600" dirty="0">
+                <a:latin typeface="Cronos Pro" panose="020C0502030403020304" pitchFamily="34" charset="77"/>
+                <a:cs typeface="Courier"/>
+              </a:rPr>
+              <a:t>implies </a:t>
+            </a:r>
+            <a:r>
+              <a:rPr lang="en-US" sz="3600">
+                <a:latin typeface="Cronos Pro" panose="020C0502030403020304" pitchFamily="34" charset="77"/>
+                <a:cs typeface="Courier"/>
+              </a:rPr>
+              <a:t>P(k+</a:t>
+            </a:r>
+            <a:r>
+              <a:rPr lang="en-US" sz="3600" dirty="0">
+                <a:latin typeface="Cronos Pro" panose="020C0502030403020304" pitchFamily="34" charset="77"/>
+                <a:cs typeface="Courier"/>
+              </a:rPr>
+              <a:t>1))</a:t>
             </a:r>
           </a:p>
           <a:p>

--- a/20-proofs/lec.pptx
+++ b/20-proofs/lec.pptx
@@ -11306,14 +11306,24 @@
               <a:t>forall</a:t>
             </a:r>
             <a:r>
-              <a:rPr lang="en-US" dirty="0">
+              <a:rPr lang="en-US">
                 <a:solidFill>
                   <a:srgbClr val="000000"/>
                 </a:solidFill>
                 <a:latin typeface="Cronos Pro" panose="020C0502030403020304" pitchFamily="34" charset="77"/>
                 <a:cs typeface="Courier"/>
               </a:rPr>
-              <a:t> natural numbers n, P(n).</a:t>
+              <a:t> n</a:t>
+            </a:r>
+            <a:r>
+              <a:rPr lang="en-US" dirty="0">
+                <a:solidFill>
+                  <a:srgbClr val="000000"/>
+                </a:solidFill>
+                <a:latin typeface="Cronos Pro" panose="020C0502030403020304" pitchFamily="34" charset="77"/>
+                <a:cs typeface="Courier"/>
+              </a:rPr>
+              <a:t>, P(n).</a:t>
             </a:r>
           </a:p>
           <a:p>
